--- a/Lending_Club_Case_Study.pptx
+++ b/Lending_Club_Case_Study.pptx
@@ -13,11 +13,12 @@
     <p:sldId id="267" r:id="rId7"/>
     <p:sldId id="259" r:id="rId8"/>
     <p:sldId id="269" r:id="rId9"/>
-    <p:sldId id="275" r:id="rId10"/>
-    <p:sldId id="273" r:id="rId11"/>
-    <p:sldId id="272" r:id="rId12"/>
-    <p:sldId id="274" r:id="rId13"/>
-    <p:sldId id="264" r:id="rId14"/>
+    <p:sldId id="277" r:id="rId10"/>
+    <p:sldId id="275" r:id="rId11"/>
+    <p:sldId id="273" r:id="rId12"/>
+    <p:sldId id="272" r:id="rId13"/>
+    <p:sldId id="274" r:id="rId14"/>
+    <p:sldId id="264" r:id="rId15"/>
   </p:sldIdLst>
   <p:sldSz cx="12192000" cy="6858000"/>
   <p:notesSz cx="6858000" cy="9144000"/>
@@ -7430,10 +7431,16 @@
           <a:p>
             <a:pPr algn="ctr"/>
             <a:r>
-              <a:rPr lang="en-IN" sz="4800" dirty="0"/>
+              <a:rPr lang="en-IN" sz="4800" b="1" dirty="0">
+                <a:latin typeface="Calibri" panose="020F0502020204030204" pitchFamily="34" charset="0"/>
+                <a:cs typeface="Calibri" panose="020F0502020204030204" pitchFamily="34" charset="0"/>
+              </a:rPr>
               <a:t>LENDING CLUB CASE STUDY</a:t>
             </a:r>
-            <a:endParaRPr lang="en-US" sz="4800" dirty="0"/>
+            <a:endParaRPr lang="en-US" sz="4800" b="1" dirty="0">
+              <a:latin typeface="Calibri" panose="020F0502020204030204" pitchFamily="34" charset="0"/>
+              <a:cs typeface="Calibri" panose="020F0502020204030204" pitchFamily="34" charset="0"/>
+            </a:endParaRPr>
           </a:p>
         </p:txBody>
       </p:sp>
@@ -7467,14 +7474,20 @@
           <a:p>
             <a:pPr algn="l"/>
             <a:r>
-              <a:rPr lang="en-IN" b="1" dirty="0"/>
+              <a:rPr lang="en-IN" b="1" dirty="0">
+                <a:latin typeface="Calibri" panose="020F0502020204030204" pitchFamily="34" charset="0"/>
+                <a:cs typeface="Calibri" panose="020F0502020204030204" pitchFamily="34" charset="0"/>
+              </a:rPr>
               <a:t>SUBMITTED BY :</a:t>
             </a:r>
           </a:p>
           <a:p>
             <a:pPr algn="l"/>
             <a:r>
-              <a:rPr lang="en-IN" dirty="0"/>
+              <a:rPr lang="en-IN" dirty="0">
+                <a:latin typeface="Calibri" panose="020F0502020204030204" pitchFamily="34" charset="0"/>
+                <a:cs typeface="Calibri" panose="020F0502020204030204" pitchFamily="34" charset="0"/>
+              </a:rPr>
               <a:t>1. </a:t>
             </a:r>
             <a:r>
@@ -7483,7 +7496,8 @@
                   <a:srgbClr val="24292F"/>
                 </a:solidFill>
                 <a:effectLst/>
-                <a:latin typeface="-apple-system"/>
+                <a:latin typeface="Calibri" panose="020F0502020204030204" pitchFamily="34" charset="0"/>
+                <a:cs typeface="Calibri" panose="020F0502020204030204" pitchFamily="34" charset="0"/>
               </a:rPr>
               <a:t>Sai Viswanadh </a:t>
             </a:r>
@@ -7493,7 +7507,8 @@
                   <a:srgbClr val="24292F"/>
                 </a:solidFill>
                 <a:effectLst/>
-                <a:latin typeface="-apple-system"/>
+                <a:latin typeface="Calibri" panose="020F0502020204030204" pitchFamily="34" charset="0"/>
+                <a:cs typeface="Calibri" panose="020F0502020204030204" pitchFamily="34" charset="0"/>
               </a:rPr>
               <a:t>Kintali</a:t>
             </a:r>
@@ -7503,7 +7518,8 @@
                   <a:srgbClr val="24292F"/>
                 </a:solidFill>
                 <a:effectLst/>
-                <a:latin typeface="-apple-system"/>
+                <a:latin typeface="Calibri" panose="020F0502020204030204" pitchFamily="34" charset="0"/>
+                <a:cs typeface="Calibri" panose="020F0502020204030204" pitchFamily="34" charset="0"/>
               </a:rPr>
               <a:t> </a:t>
             </a:r>
@@ -7515,11 +7531,15 @@
                 <a:solidFill>
                   <a:srgbClr val="24292F"/>
                 </a:solidFill>
-                <a:latin typeface="-apple-system"/>
+                <a:latin typeface="Calibri" panose="020F0502020204030204" pitchFamily="34" charset="0"/>
+                <a:cs typeface="Calibri" panose="020F0502020204030204" pitchFamily="34" charset="0"/>
               </a:rPr>
               <a:t>2. Sanskriti Agarwal</a:t>
             </a:r>
-            <a:endParaRPr lang="en-US" dirty="0"/>
+            <a:endParaRPr lang="en-US" dirty="0">
+              <a:latin typeface="Calibri" panose="020F0502020204030204" pitchFamily="34" charset="0"/>
+              <a:cs typeface="Calibri" panose="020F0502020204030204" pitchFamily="34" charset="0"/>
+            </a:endParaRPr>
           </a:p>
         </p:txBody>
       </p:sp>
@@ -7537,2141 +7557,6 @@
 </file>
 
 <file path=ppt/slides/slide10.xml><?xml version="1.0" encoding="utf-8"?>
-<p:sld xmlns:a="http://schemas.openxmlformats.org/drawingml/2006/main" xmlns:r="http://schemas.openxmlformats.org/officeDocument/2006/relationships" xmlns:p="http://schemas.openxmlformats.org/presentationml/2006/main">
-  <p:cSld>
-    <p:spTree>
-      <p:nvGrpSpPr>
-        <p:cNvPr id="1" name=""/>
-        <p:cNvGrpSpPr/>
-        <p:nvPr/>
-      </p:nvGrpSpPr>
-      <p:grpSpPr>
-        <a:xfrm>
-          <a:off x="0" y="0"/>
-          <a:ext cx="0" cy="0"/>
-          <a:chOff x="0" y="0"/>
-          <a:chExt cx="0" cy="0"/>
-        </a:xfrm>
-      </p:grpSpPr>
-      <p:sp>
-        <p:nvSpPr>
-          <p:cNvPr id="2" name="Title 1">
-            <a:extLst>
-              <a:ext uri="{FF2B5EF4-FFF2-40B4-BE49-F238E27FC236}">
-                <a16:creationId xmlns:a16="http://schemas.microsoft.com/office/drawing/2014/main" id="{945B9FA7-1570-04AB-430F-ADBB1C346981}"/>
-              </a:ext>
-            </a:extLst>
-          </p:cNvPr>
-          <p:cNvSpPr>
-            <a:spLocks noGrp="1"/>
-          </p:cNvSpPr>
-          <p:nvPr>
-            <p:ph type="title"/>
-          </p:nvPr>
-        </p:nvSpPr>
-        <p:spPr>
-          <a:xfrm>
-            <a:off x="3287110" y="260021"/>
-            <a:ext cx="5173717" cy="622847"/>
-          </a:xfrm>
-        </p:spPr>
-        <p:txBody>
-          <a:bodyPr>
-            <a:normAutofit/>
-          </a:bodyPr>
-          <a:lstStyle/>
-          <a:p>
-            <a:r>
-              <a:rPr lang="en-US" sz="3000" b="1" dirty="0">
-                <a:latin typeface="Calibri" panose="020F0502020204030204" pitchFamily="34" charset="0"/>
-                <a:cs typeface="Calibri" panose="020F0502020204030204" pitchFamily="34" charset="0"/>
-              </a:rPr>
-              <a:t>Analysis – Public Bankruptcies</a:t>
-            </a:r>
-          </a:p>
-        </p:txBody>
-      </p:sp>
-      <p:sp>
-        <p:nvSpPr>
-          <p:cNvPr id="3" name="Content Placeholder 2">
-            <a:extLst>
-              <a:ext uri="{FF2B5EF4-FFF2-40B4-BE49-F238E27FC236}">
-                <a16:creationId xmlns:a16="http://schemas.microsoft.com/office/drawing/2014/main" id="{F4AFB9F7-A312-A653-3766-888FEB034473}"/>
-              </a:ext>
-            </a:extLst>
-          </p:cNvPr>
-          <p:cNvSpPr>
-            <a:spLocks noGrp="1"/>
-          </p:cNvSpPr>
-          <p:nvPr>
-            <p:ph idx="1"/>
-          </p:nvPr>
-        </p:nvSpPr>
-        <p:spPr>
-          <a:xfrm>
-            <a:off x="762000" y="5029884"/>
-            <a:ext cx="10515600" cy="1722329"/>
-          </a:xfrm>
-        </p:spPr>
-        <p:txBody>
-          <a:bodyPr>
-            <a:normAutofit/>
-          </a:bodyPr>
-          <a:lstStyle/>
-          <a:p>
-            <a:pPr marL="0" indent="0">
-              <a:buNone/>
-            </a:pPr>
-            <a:r>
-              <a:rPr lang="en-US" sz="2400" dirty="0"/>
-              <a:t>Majority of the clients have 0 Bankruptcies (~96%) but clients with Bankruptcies have a high chance of default/ Charged-off loan.</a:t>
-            </a:r>
-          </a:p>
-        </p:txBody>
-      </p:sp>
-      <p:pic>
-        <p:nvPicPr>
-          <p:cNvPr id="4" name="Picture 3">
-            <a:extLst>
-              <a:ext uri="{FF2B5EF4-FFF2-40B4-BE49-F238E27FC236}">
-                <a16:creationId xmlns:a16="http://schemas.microsoft.com/office/drawing/2014/main" id="{00A04AA4-EF15-3856-039C-3C2F442B4083}"/>
-              </a:ext>
-            </a:extLst>
-          </p:cNvPr>
-          <p:cNvPicPr>
-            <a:picLocks noChangeAspect="1"/>
-          </p:cNvPicPr>
-          <p:nvPr/>
-        </p:nvPicPr>
-        <p:blipFill>
-          <a:blip r:embed="rId2"/>
-          <a:stretch>
-            <a:fillRect/>
-          </a:stretch>
-        </p:blipFill>
-        <p:spPr>
-          <a:xfrm>
-            <a:off x="1030011" y="1254576"/>
-            <a:ext cx="5181600" cy="3403600"/>
-          </a:xfrm>
-          <a:prstGeom prst="rect">
-            <a:avLst/>
-          </a:prstGeom>
-        </p:spPr>
-      </p:pic>
-      <p:pic>
-        <p:nvPicPr>
-          <p:cNvPr id="6" name="Picture 5">
-            <a:extLst>
-              <a:ext uri="{FF2B5EF4-FFF2-40B4-BE49-F238E27FC236}">
-                <a16:creationId xmlns:a16="http://schemas.microsoft.com/office/drawing/2014/main" id="{319EEC50-9CF6-24C6-1B61-B30FCFBF6F7F}"/>
-              </a:ext>
-            </a:extLst>
-          </p:cNvPr>
-          <p:cNvPicPr>
-            <a:picLocks noChangeAspect="1"/>
-          </p:cNvPicPr>
-          <p:nvPr/>
-        </p:nvPicPr>
-        <p:blipFill>
-          <a:blip r:embed="rId3"/>
-          <a:stretch>
-            <a:fillRect/>
-          </a:stretch>
-        </p:blipFill>
-        <p:spPr>
-          <a:xfrm>
-            <a:off x="7442200" y="1254576"/>
-            <a:ext cx="3835400" cy="3251200"/>
-          </a:xfrm>
-          <a:prstGeom prst="rect">
-            <a:avLst/>
-          </a:prstGeom>
-        </p:spPr>
-      </p:pic>
-    </p:spTree>
-    <p:extLst>
-      <p:ext uri="{BB962C8B-B14F-4D97-AF65-F5344CB8AC3E}">
-        <p14:creationId xmlns:p14="http://schemas.microsoft.com/office/powerpoint/2010/main" val="3162533379"/>
-      </p:ext>
-    </p:extLst>
-  </p:cSld>
-  <p:clrMapOvr>
-    <a:masterClrMapping/>
-  </p:clrMapOvr>
-</p:sld>
-</file>
-
-<file path=ppt/slides/slide11.xml><?xml version="1.0" encoding="utf-8"?>
-<p:sld xmlns:a="http://schemas.openxmlformats.org/drawingml/2006/main" xmlns:r="http://schemas.openxmlformats.org/officeDocument/2006/relationships" xmlns:p="http://schemas.openxmlformats.org/presentationml/2006/main">
-  <p:cSld>
-    <p:spTree>
-      <p:nvGrpSpPr>
-        <p:cNvPr id="1" name=""/>
-        <p:cNvGrpSpPr/>
-        <p:nvPr/>
-      </p:nvGrpSpPr>
-      <p:grpSpPr>
-        <a:xfrm>
-          <a:off x="0" y="0"/>
-          <a:ext cx="0" cy="0"/>
-          <a:chOff x="0" y="0"/>
-          <a:chExt cx="0" cy="0"/>
-        </a:xfrm>
-      </p:grpSpPr>
-      <p:sp>
-        <p:nvSpPr>
-          <p:cNvPr id="2" name="Title 1">
-            <a:extLst>
-              <a:ext uri="{FF2B5EF4-FFF2-40B4-BE49-F238E27FC236}">
-                <a16:creationId xmlns:a16="http://schemas.microsoft.com/office/drawing/2014/main" id="{E064F259-2859-632D-09B8-CB8009917DB8}"/>
-              </a:ext>
-            </a:extLst>
-          </p:cNvPr>
-          <p:cNvSpPr>
-            <a:spLocks noGrp="1"/>
-          </p:cNvSpPr>
-          <p:nvPr>
-            <p:ph type="title"/>
-          </p:nvPr>
-        </p:nvSpPr>
-        <p:spPr>
-          <a:xfrm>
-            <a:off x="3163613" y="262760"/>
-            <a:ext cx="5077593" cy="602210"/>
-          </a:xfrm>
-        </p:spPr>
-        <p:txBody>
-          <a:bodyPr>
-            <a:normAutofit/>
-          </a:bodyPr>
-          <a:lstStyle/>
-          <a:p>
-            <a:r>
-              <a:rPr lang="en-US" sz="3000" b="1" dirty="0">
-                <a:latin typeface="+mn-lt"/>
-              </a:rPr>
-              <a:t>Analysis – Home Ownership</a:t>
-            </a:r>
-          </a:p>
-        </p:txBody>
-      </p:sp>
-      <p:sp>
-        <p:nvSpPr>
-          <p:cNvPr id="3" name="Content Placeholder 2">
-            <a:extLst>
-              <a:ext uri="{FF2B5EF4-FFF2-40B4-BE49-F238E27FC236}">
-                <a16:creationId xmlns:a16="http://schemas.microsoft.com/office/drawing/2014/main" id="{8FB9B66D-4EDB-432E-2E50-6FF60C09F91F}"/>
-              </a:ext>
-            </a:extLst>
-          </p:cNvPr>
-          <p:cNvSpPr>
-            <a:spLocks noGrp="1"/>
-          </p:cNvSpPr>
-          <p:nvPr>
-            <p:ph idx="1"/>
-          </p:nvPr>
-        </p:nvSpPr>
-        <p:spPr>
-          <a:xfrm>
-            <a:off x="838200" y="4918840"/>
-            <a:ext cx="10515600" cy="1258121"/>
-          </a:xfrm>
-        </p:spPr>
-        <p:txBody>
-          <a:bodyPr/>
-          <a:lstStyle/>
-          <a:p>
-            <a:pPr marL="0" indent="0">
-              <a:buNone/>
-            </a:pPr>
-            <a:r>
-              <a:rPr lang="en-US" dirty="0"/>
-              <a:t>Majority of the clients are lacking own properties and are on Rent, Mortgage. These type of clients have high Charge-off rate.</a:t>
-            </a:r>
-          </a:p>
-        </p:txBody>
-      </p:sp>
-      <p:pic>
-        <p:nvPicPr>
-          <p:cNvPr id="5" name="Picture 4">
-            <a:extLst>
-              <a:ext uri="{FF2B5EF4-FFF2-40B4-BE49-F238E27FC236}">
-                <a16:creationId xmlns:a16="http://schemas.microsoft.com/office/drawing/2014/main" id="{21122016-2C52-EE85-9F03-F1FC1621FB5D}"/>
-              </a:ext>
-            </a:extLst>
-          </p:cNvPr>
-          <p:cNvPicPr>
-            <a:picLocks noChangeAspect="1"/>
-          </p:cNvPicPr>
-          <p:nvPr/>
-        </p:nvPicPr>
-        <p:blipFill>
-          <a:blip r:embed="rId2"/>
-          <a:stretch>
-            <a:fillRect/>
-          </a:stretch>
-        </p:blipFill>
-        <p:spPr>
-          <a:xfrm>
-            <a:off x="3046906" y="1130354"/>
-            <a:ext cx="5194300" cy="3340100"/>
-          </a:xfrm>
-          <a:prstGeom prst="rect">
-            <a:avLst/>
-          </a:prstGeom>
-        </p:spPr>
-      </p:pic>
-    </p:spTree>
-    <p:extLst>
-      <p:ext uri="{BB962C8B-B14F-4D97-AF65-F5344CB8AC3E}">
-        <p14:creationId xmlns:p14="http://schemas.microsoft.com/office/powerpoint/2010/main" val="504909647"/>
-      </p:ext>
-    </p:extLst>
-  </p:cSld>
-  <p:clrMapOvr>
-    <a:masterClrMapping/>
-  </p:clrMapOvr>
-</p:sld>
-</file>
-
-<file path=ppt/slides/slide12.xml><?xml version="1.0" encoding="utf-8"?>
-<p:sld xmlns:a="http://schemas.openxmlformats.org/drawingml/2006/main" xmlns:r="http://schemas.openxmlformats.org/officeDocument/2006/relationships" xmlns:p="http://schemas.openxmlformats.org/presentationml/2006/main">
-  <p:cSld>
-    <p:spTree>
-      <p:nvGrpSpPr>
-        <p:cNvPr id="1" name=""/>
-        <p:cNvGrpSpPr/>
-        <p:nvPr/>
-      </p:nvGrpSpPr>
-      <p:grpSpPr>
-        <a:xfrm>
-          <a:off x="0" y="0"/>
-          <a:ext cx="0" cy="0"/>
-          <a:chOff x="0" y="0"/>
-          <a:chExt cx="0" cy="0"/>
-        </a:xfrm>
-      </p:grpSpPr>
-      <p:sp>
-        <p:nvSpPr>
-          <p:cNvPr id="2" name="Title 1">
-            <a:extLst>
-              <a:ext uri="{FF2B5EF4-FFF2-40B4-BE49-F238E27FC236}">
-                <a16:creationId xmlns:a16="http://schemas.microsoft.com/office/drawing/2014/main" id="{5A161EB8-3074-8A0A-8AE4-9567DCD39818}"/>
-              </a:ext>
-            </a:extLst>
-          </p:cNvPr>
-          <p:cNvSpPr>
-            <a:spLocks noGrp="1"/>
-          </p:cNvSpPr>
-          <p:nvPr>
-            <p:ph type="title"/>
-          </p:nvPr>
-        </p:nvSpPr>
-        <p:spPr>
-          <a:xfrm>
-            <a:off x="4279680" y="395890"/>
-            <a:ext cx="3632639" cy="570296"/>
-          </a:xfrm>
-        </p:spPr>
-        <p:txBody>
-          <a:bodyPr>
-            <a:normAutofit/>
-          </a:bodyPr>
-          <a:lstStyle/>
-          <a:p>
-            <a:r>
-              <a:rPr lang="en-US" sz="3000" b="1" dirty="0">
-                <a:latin typeface="Calibri" panose="020F0502020204030204" pitchFamily="34" charset="0"/>
-                <a:cs typeface="Calibri" panose="020F0502020204030204" pitchFamily="34" charset="0"/>
-              </a:rPr>
-              <a:t>Analysis - Location</a:t>
-            </a:r>
-          </a:p>
-        </p:txBody>
-      </p:sp>
-      <p:sp>
-        <p:nvSpPr>
-          <p:cNvPr id="3" name="Content Placeholder 2">
-            <a:extLst>
-              <a:ext uri="{FF2B5EF4-FFF2-40B4-BE49-F238E27FC236}">
-                <a16:creationId xmlns:a16="http://schemas.microsoft.com/office/drawing/2014/main" id="{3EFC04EB-A6E3-38F6-87D9-D65E6A5286E8}"/>
-              </a:ext>
-            </a:extLst>
-          </p:cNvPr>
-          <p:cNvSpPr>
-            <a:spLocks noGrp="1"/>
-          </p:cNvSpPr>
-          <p:nvPr>
-            <p:ph idx="1"/>
-          </p:nvPr>
-        </p:nvSpPr>
-        <p:spPr>
-          <a:xfrm>
-            <a:off x="838200" y="4635062"/>
-            <a:ext cx="10515600" cy="1541900"/>
-          </a:xfrm>
-        </p:spPr>
-        <p:txBody>
-          <a:bodyPr/>
-          <a:lstStyle/>
-          <a:p>
-            <a:pPr marL="0" indent="0">
-              <a:buNone/>
-            </a:pPr>
-            <a:r>
-              <a:rPr lang="en-US" dirty="0"/>
-              <a:t>Most of the loans are form CA. Charge-Off Rate from CA is also one of highest compared to other states. </a:t>
-            </a:r>
-          </a:p>
-        </p:txBody>
-      </p:sp>
-      <p:pic>
-        <p:nvPicPr>
-          <p:cNvPr id="4" name="Picture 3">
-            <a:extLst>
-              <a:ext uri="{FF2B5EF4-FFF2-40B4-BE49-F238E27FC236}">
-                <a16:creationId xmlns:a16="http://schemas.microsoft.com/office/drawing/2014/main" id="{ADC2548F-98EC-86E5-C480-5D2D0D5317A4}"/>
-              </a:ext>
-            </a:extLst>
-          </p:cNvPr>
-          <p:cNvPicPr>
-            <a:picLocks noChangeAspect="1"/>
-          </p:cNvPicPr>
-          <p:nvPr/>
-        </p:nvPicPr>
-        <p:blipFill>
-          <a:blip r:embed="rId2"/>
-          <a:stretch>
-            <a:fillRect/>
-          </a:stretch>
-        </p:blipFill>
-        <p:spPr>
-          <a:xfrm>
-            <a:off x="1358461" y="1374497"/>
-            <a:ext cx="9729952" cy="2852253"/>
-          </a:xfrm>
-          <a:prstGeom prst="rect">
-            <a:avLst/>
-          </a:prstGeom>
-        </p:spPr>
-      </p:pic>
-    </p:spTree>
-    <p:extLst>
-      <p:ext uri="{BB962C8B-B14F-4D97-AF65-F5344CB8AC3E}">
-        <p14:creationId xmlns:p14="http://schemas.microsoft.com/office/powerpoint/2010/main" val="199745870"/>
-      </p:ext>
-    </p:extLst>
-  </p:cSld>
-  <p:clrMapOvr>
-    <a:masterClrMapping/>
-  </p:clrMapOvr>
-</p:sld>
-</file>
-
-<file path=ppt/slides/slide13.xml><?xml version="1.0" encoding="utf-8"?>
-<p:sld xmlns:a="http://schemas.openxmlformats.org/drawingml/2006/main" xmlns:r="http://schemas.openxmlformats.org/officeDocument/2006/relationships" xmlns:p="http://schemas.openxmlformats.org/presentationml/2006/main">
-  <p:cSld>
-    <p:spTree>
-      <p:nvGrpSpPr>
-        <p:cNvPr id="1" name=""/>
-        <p:cNvGrpSpPr/>
-        <p:nvPr/>
-      </p:nvGrpSpPr>
-      <p:grpSpPr>
-        <a:xfrm>
-          <a:off x="0" y="0"/>
-          <a:ext cx="0" cy="0"/>
-          <a:chOff x="0" y="0"/>
-          <a:chExt cx="0" cy="0"/>
-        </a:xfrm>
-      </p:grpSpPr>
-      <p:sp>
-        <p:nvSpPr>
-          <p:cNvPr id="2" name="TextBox 1">
-            <a:extLst>
-              <a:ext uri="{FF2B5EF4-FFF2-40B4-BE49-F238E27FC236}">
-                <a16:creationId xmlns:a16="http://schemas.microsoft.com/office/drawing/2014/main" id="{0D8DCCCE-AE43-4136-AF47-9261D859C8D0}"/>
-              </a:ext>
-            </a:extLst>
-          </p:cNvPr>
-          <p:cNvSpPr txBox="1"/>
-          <p:nvPr/>
-        </p:nvSpPr>
-        <p:spPr>
-          <a:xfrm>
-            <a:off x="4196422" y="721255"/>
-            <a:ext cx="3269555" cy="707886"/>
-          </a:xfrm>
-          <a:prstGeom prst="rect">
-            <a:avLst/>
-          </a:prstGeom>
-          <a:noFill/>
-        </p:spPr>
-        <p:txBody>
-          <a:bodyPr wrap="square" rtlCol="0">
-            <a:spAutoFit/>
-          </a:bodyPr>
-          <a:lstStyle/>
-          <a:p>
-            <a:pPr algn="ctr"/>
-            <a:r>
-              <a:rPr lang="en-IN" sz="4000" b="1" dirty="0"/>
-              <a:t>RESULTS</a:t>
-            </a:r>
-            <a:endParaRPr lang="en-US" sz="4000" b="1" dirty="0"/>
-          </a:p>
-        </p:txBody>
-      </p:sp>
-      <p:sp>
-        <p:nvSpPr>
-          <p:cNvPr id="3" name="TextBox 2">
-            <a:extLst>
-              <a:ext uri="{FF2B5EF4-FFF2-40B4-BE49-F238E27FC236}">
-                <a16:creationId xmlns:a16="http://schemas.microsoft.com/office/drawing/2014/main" id="{32EDF693-CE65-4793-8354-9D9DCD9B716D}"/>
-              </a:ext>
-            </a:extLst>
-          </p:cNvPr>
-          <p:cNvSpPr txBox="1"/>
-          <p:nvPr/>
-        </p:nvSpPr>
-        <p:spPr>
-          <a:xfrm>
-            <a:off x="1753903" y="1786524"/>
-            <a:ext cx="8488733" cy="2862322"/>
-          </a:xfrm>
-          <a:prstGeom prst="rect">
-            <a:avLst/>
-          </a:prstGeom>
-          <a:noFill/>
-        </p:spPr>
-        <p:txBody>
-          <a:bodyPr wrap="square" rtlCol="0">
-            <a:spAutoFit/>
-          </a:bodyPr>
-          <a:lstStyle/>
-          <a:p>
-            <a:pPr marL="342900" indent="-342900" algn="l">
-              <a:buAutoNum type="arabicPeriod"/>
-            </a:pPr>
-            <a:r>
-              <a:rPr lang="en-IN" dirty="0"/>
-              <a:t>Low grade loans have high tendency to default . Most of the loans which are defaulted are </a:t>
-            </a:r>
-            <a:r>
-              <a:rPr lang="en-IN"/>
-              <a:t>from grade B, C ,D.</a:t>
-            </a:r>
-            <a:endParaRPr lang="en-IN" dirty="0"/>
-          </a:p>
-          <a:p>
-            <a:pPr marL="342900" indent="-342900" algn="l">
-              <a:buAutoNum type="arabicPeriod"/>
-            </a:pPr>
-            <a:r>
-              <a:rPr lang="en-IN" dirty="0"/>
-              <a:t>Loans having higher interest rates have more defaulters. Hence, check the background of applicant thoroughly , if the interest rate is high.</a:t>
-            </a:r>
-          </a:p>
-          <a:p>
-            <a:pPr marL="342900" indent="-342900" algn="l">
-              <a:buAutoNum type="arabicPeriod"/>
-            </a:pPr>
-            <a:r>
-              <a:rPr lang="en-IN" dirty="0"/>
-              <a:t>Extra scrutiny must be done for the applicants belonging to CA state, as tendency to default is high.</a:t>
-            </a:r>
-          </a:p>
-          <a:p>
-            <a:pPr marL="342900" indent="-342900" algn="l">
-              <a:buAutoNum type="arabicPeriod"/>
-            </a:pPr>
-            <a:r>
-              <a:rPr lang="en-IN" dirty="0"/>
-              <a:t>When the purpose is debt consolidation , check applicant thoroughly as it has high tendency to default.</a:t>
-            </a:r>
-          </a:p>
-          <a:p>
-            <a:pPr marL="342900" indent="-342900" algn="l">
-              <a:buAutoNum type="arabicPeriod"/>
-            </a:pPr>
-            <a:r>
-              <a:rPr lang="en-IN" dirty="0"/>
-              <a:t>Lower interest rates coupled with short term and easy EMI decrease the chances of default.</a:t>
-            </a:r>
-            <a:endParaRPr lang="en-US" dirty="0"/>
-          </a:p>
-        </p:txBody>
-      </p:sp>
-    </p:spTree>
-    <p:extLst>
-      <p:ext uri="{BB962C8B-B14F-4D97-AF65-F5344CB8AC3E}">
-        <p14:creationId xmlns:p14="http://schemas.microsoft.com/office/powerpoint/2010/main" val="2270953006"/>
-      </p:ext>
-    </p:extLst>
-  </p:cSld>
-  <p:clrMapOvr>
-    <a:masterClrMapping/>
-  </p:clrMapOvr>
-</p:sld>
-</file>
-
-<file path=ppt/slides/slide2.xml><?xml version="1.0" encoding="utf-8"?>
-<p:sld xmlns:a="http://schemas.openxmlformats.org/drawingml/2006/main" xmlns:r="http://schemas.openxmlformats.org/officeDocument/2006/relationships" xmlns:p="http://schemas.openxmlformats.org/presentationml/2006/main">
-  <p:cSld>
-    <p:spTree>
-      <p:nvGrpSpPr>
-        <p:cNvPr id="1" name=""/>
-        <p:cNvGrpSpPr/>
-        <p:nvPr/>
-      </p:nvGrpSpPr>
-      <p:grpSpPr>
-        <a:xfrm>
-          <a:off x="0" y="0"/>
-          <a:ext cx="0" cy="0"/>
-          <a:chOff x="0" y="0"/>
-          <a:chExt cx="0" cy="0"/>
-        </a:xfrm>
-      </p:grpSpPr>
-      <p:sp>
-        <p:nvSpPr>
-          <p:cNvPr id="6" name="TextBox 5">
-            <a:extLst>
-              <a:ext uri="{FF2B5EF4-FFF2-40B4-BE49-F238E27FC236}">
-                <a16:creationId xmlns:a16="http://schemas.microsoft.com/office/drawing/2014/main" id="{30B54C54-8504-4497-90F0-5A986DD9732D}"/>
-              </a:ext>
-            </a:extLst>
-          </p:cNvPr>
-          <p:cNvSpPr txBox="1"/>
-          <p:nvPr/>
-        </p:nvSpPr>
-        <p:spPr>
-          <a:xfrm>
-            <a:off x="3118460" y="1198473"/>
-            <a:ext cx="5180034" cy="646331"/>
-          </a:xfrm>
-          <a:prstGeom prst="rect">
-            <a:avLst/>
-          </a:prstGeom>
-          <a:noFill/>
-        </p:spPr>
-        <p:txBody>
-          <a:bodyPr wrap="square" rtlCol="0">
-            <a:spAutoFit/>
-          </a:bodyPr>
-          <a:lstStyle/>
-          <a:p>
-            <a:pPr algn="ctr"/>
-            <a:r>
-              <a:rPr lang="en-IN" sz="3600" dirty="0"/>
-              <a:t>PROBLEM STATEMENT</a:t>
-            </a:r>
-            <a:endParaRPr lang="en-US" sz="3600" dirty="0"/>
-          </a:p>
-        </p:txBody>
-      </p:sp>
-      <p:sp>
-        <p:nvSpPr>
-          <p:cNvPr id="8" name="Scroll: Vertical 7">
-            <a:extLst>
-              <a:ext uri="{FF2B5EF4-FFF2-40B4-BE49-F238E27FC236}">
-                <a16:creationId xmlns:a16="http://schemas.microsoft.com/office/drawing/2014/main" id="{19E30A80-30EB-442D-8C99-E641B5C54E74}"/>
-              </a:ext>
-            </a:extLst>
-          </p:cNvPr>
-          <p:cNvSpPr/>
-          <p:nvPr/>
-        </p:nvSpPr>
-        <p:spPr>
-          <a:xfrm>
-            <a:off x="608305" y="2458231"/>
-            <a:ext cx="3540942" cy="3883069"/>
-          </a:xfrm>
-          <a:prstGeom prst="verticalScroll">
-            <a:avLst/>
-          </a:prstGeom>
-        </p:spPr>
-        <p:style>
-          <a:lnRef idx="2">
-            <a:schemeClr val="accent1"/>
-          </a:lnRef>
-          <a:fillRef idx="1">
-            <a:schemeClr val="lt1"/>
-          </a:fillRef>
-          <a:effectRef idx="0">
-            <a:schemeClr val="accent1"/>
-          </a:effectRef>
-          <a:fontRef idx="minor">
-            <a:schemeClr val="dk1"/>
-          </a:fontRef>
-        </p:style>
-        <p:txBody>
-          <a:bodyPr rtlCol="0" anchor="ctr"/>
-          <a:lstStyle/>
-          <a:p>
-            <a:pPr algn="ctr"/>
-            <a:endParaRPr lang="en-US"/>
-          </a:p>
-        </p:txBody>
-      </p:sp>
-      <p:sp>
-        <p:nvSpPr>
-          <p:cNvPr id="10" name="Scroll: Vertical 9">
-            <a:extLst>
-              <a:ext uri="{FF2B5EF4-FFF2-40B4-BE49-F238E27FC236}">
-                <a16:creationId xmlns:a16="http://schemas.microsoft.com/office/drawing/2014/main" id="{AED56A58-8F31-44FE-A6AA-697E9A3F7F8A}"/>
-              </a:ext>
-            </a:extLst>
-          </p:cNvPr>
-          <p:cNvSpPr/>
-          <p:nvPr/>
-        </p:nvSpPr>
-        <p:spPr>
-          <a:xfrm>
-            <a:off x="4429328" y="2458230"/>
-            <a:ext cx="3540942" cy="3883069"/>
-          </a:xfrm>
-          <a:prstGeom prst="verticalScroll">
-            <a:avLst/>
-          </a:prstGeom>
-        </p:spPr>
-        <p:style>
-          <a:lnRef idx="2">
-            <a:schemeClr val="accent1"/>
-          </a:lnRef>
-          <a:fillRef idx="1">
-            <a:schemeClr val="lt1"/>
-          </a:fillRef>
-          <a:effectRef idx="0">
-            <a:schemeClr val="accent1"/>
-          </a:effectRef>
-          <a:fontRef idx="minor">
-            <a:schemeClr val="dk1"/>
-          </a:fontRef>
-        </p:style>
-        <p:txBody>
-          <a:bodyPr rtlCol="0" anchor="ctr"/>
-          <a:lstStyle/>
-          <a:p>
-            <a:pPr algn="ctr"/>
-            <a:endParaRPr lang="en-US"/>
-          </a:p>
-        </p:txBody>
-      </p:sp>
-      <p:sp>
-        <p:nvSpPr>
-          <p:cNvPr id="12" name="Scroll: Vertical 11">
-            <a:extLst>
-              <a:ext uri="{FF2B5EF4-FFF2-40B4-BE49-F238E27FC236}">
-                <a16:creationId xmlns:a16="http://schemas.microsoft.com/office/drawing/2014/main" id="{D3D12781-7376-41D4-9B29-CCF01C884E2E}"/>
-              </a:ext>
-            </a:extLst>
-          </p:cNvPr>
-          <p:cNvSpPr/>
-          <p:nvPr/>
-        </p:nvSpPr>
-        <p:spPr>
-          <a:xfrm>
-            <a:off x="8250351" y="2458229"/>
-            <a:ext cx="3540942" cy="3883069"/>
-          </a:xfrm>
-          <a:prstGeom prst="verticalScroll">
-            <a:avLst/>
-          </a:prstGeom>
-        </p:spPr>
-        <p:style>
-          <a:lnRef idx="2">
-            <a:schemeClr val="accent1"/>
-          </a:lnRef>
-          <a:fillRef idx="1">
-            <a:schemeClr val="lt1"/>
-          </a:fillRef>
-          <a:effectRef idx="0">
-            <a:schemeClr val="accent1"/>
-          </a:effectRef>
-          <a:fontRef idx="minor">
-            <a:schemeClr val="dk1"/>
-          </a:fontRef>
-        </p:style>
-        <p:txBody>
-          <a:bodyPr rtlCol="0" anchor="ctr"/>
-          <a:lstStyle/>
-          <a:p>
-            <a:pPr algn="ctr"/>
-            <a:endParaRPr lang="en-US"/>
-          </a:p>
-        </p:txBody>
-      </p:sp>
-      <p:sp>
-        <p:nvSpPr>
-          <p:cNvPr id="13" name="TextBox 12">
-            <a:extLst>
-              <a:ext uri="{FF2B5EF4-FFF2-40B4-BE49-F238E27FC236}">
-                <a16:creationId xmlns:a16="http://schemas.microsoft.com/office/drawing/2014/main" id="{844EEC66-8D67-4F5B-B2C9-0DB866AA0895}"/>
-              </a:ext>
-            </a:extLst>
-          </p:cNvPr>
-          <p:cNvSpPr txBox="1"/>
-          <p:nvPr/>
-        </p:nvSpPr>
-        <p:spPr>
-          <a:xfrm>
-            <a:off x="1753904" y="2475456"/>
-            <a:ext cx="1573322" cy="461665"/>
-          </a:xfrm>
-          <a:prstGeom prst="rect">
-            <a:avLst/>
-          </a:prstGeom>
-          <a:noFill/>
-        </p:spPr>
-        <p:txBody>
-          <a:bodyPr wrap="square" rtlCol="0">
-            <a:spAutoFit/>
-          </a:bodyPr>
-          <a:lstStyle/>
-          <a:p>
-            <a:pPr algn="ctr"/>
-            <a:r>
-              <a:rPr lang="en-IN" sz="2400" b="1" dirty="0"/>
-              <a:t>AIM</a:t>
-            </a:r>
-            <a:endParaRPr lang="en-US" sz="2400" b="1" dirty="0"/>
-          </a:p>
-        </p:txBody>
-      </p:sp>
-      <p:sp>
-        <p:nvSpPr>
-          <p:cNvPr id="20" name="TextBox 19">
-            <a:extLst>
-              <a:ext uri="{FF2B5EF4-FFF2-40B4-BE49-F238E27FC236}">
-                <a16:creationId xmlns:a16="http://schemas.microsoft.com/office/drawing/2014/main" id="{60A1102C-455E-4F47-A3B6-304F32C3BD46}"/>
-              </a:ext>
-            </a:extLst>
-          </p:cNvPr>
-          <p:cNvSpPr txBox="1"/>
-          <p:nvPr/>
-        </p:nvSpPr>
-        <p:spPr>
-          <a:xfrm>
-            <a:off x="5172466" y="2517209"/>
-            <a:ext cx="1828800" cy="1828800"/>
-          </a:xfrm>
-          <a:prstGeom prst="rect">
-            <a:avLst/>
-          </a:prstGeom>
-          <a:noFill/>
-        </p:spPr>
-        <p:txBody>
-          <a:bodyPr wrap="square" rtlCol="0">
-            <a:spAutoFit/>
-          </a:bodyPr>
-          <a:lstStyle/>
-          <a:p>
-            <a:pPr algn="l"/>
-            <a:endParaRPr lang="en-US" dirty="0"/>
-          </a:p>
-        </p:txBody>
-      </p:sp>
-      <p:sp>
-        <p:nvSpPr>
-          <p:cNvPr id="21" name="TextBox 20">
-            <a:extLst>
-              <a:ext uri="{FF2B5EF4-FFF2-40B4-BE49-F238E27FC236}">
-                <a16:creationId xmlns:a16="http://schemas.microsoft.com/office/drawing/2014/main" id="{58C05D96-DAE1-48EC-911A-1FD53385523F}"/>
-              </a:ext>
-            </a:extLst>
-          </p:cNvPr>
-          <p:cNvSpPr txBox="1"/>
-          <p:nvPr/>
-        </p:nvSpPr>
-        <p:spPr>
-          <a:xfrm>
-            <a:off x="5362390" y="2458229"/>
-            <a:ext cx="2422284" cy="461665"/>
-          </a:xfrm>
-          <a:prstGeom prst="rect">
-            <a:avLst/>
-          </a:prstGeom>
-          <a:noFill/>
-        </p:spPr>
-        <p:txBody>
-          <a:bodyPr wrap="square" rtlCol="0">
-            <a:spAutoFit/>
-          </a:bodyPr>
-          <a:lstStyle/>
-          <a:p>
-            <a:pPr algn="ctr"/>
-            <a:r>
-              <a:rPr lang="en-IN" sz="2400" b="1" dirty="0"/>
-              <a:t>OBJECTIVE</a:t>
-            </a:r>
-            <a:endParaRPr lang="en-US" sz="2400" b="1" dirty="0"/>
-          </a:p>
-        </p:txBody>
-      </p:sp>
-      <p:sp>
-        <p:nvSpPr>
-          <p:cNvPr id="22" name="TextBox 21">
-            <a:extLst>
-              <a:ext uri="{FF2B5EF4-FFF2-40B4-BE49-F238E27FC236}">
-                <a16:creationId xmlns:a16="http://schemas.microsoft.com/office/drawing/2014/main" id="{5D6E3D51-267D-466D-80DD-0C273ED43FD2}"/>
-              </a:ext>
-            </a:extLst>
-          </p:cNvPr>
-          <p:cNvSpPr txBox="1"/>
-          <p:nvPr/>
-        </p:nvSpPr>
-        <p:spPr>
-          <a:xfrm>
-            <a:off x="9299664" y="2441527"/>
-            <a:ext cx="2052047" cy="461665"/>
-          </a:xfrm>
-          <a:prstGeom prst="rect">
-            <a:avLst/>
-          </a:prstGeom>
-          <a:noFill/>
-        </p:spPr>
-        <p:txBody>
-          <a:bodyPr wrap="square" rtlCol="0">
-            <a:spAutoFit/>
-          </a:bodyPr>
-          <a:lstStyle/>
-          <a:p>
-            <a:pPr algn="ctr"/>
-            <a:r>
-              <a:rPr lang="en-IN" sz="2400" b="1" dirty="0"/>
-              <a:t>APPROACH</a:t>
-            </a:r>
-            <a:endParaRPr lang="en-US" sz="2400" b="1" dirty="0"/>
-          </a:p>
-        </p:txBody>
-      </p:sp>
-      <p:sp>
-        <p:nvSpPr>
-          <p:cNvPr id="23" name="TextBox 22">
-            <a:extLst>
-              <a:ext uri="{FF2B5EF4-FFF2-40B4-BE49-F238E27FC236}">
-                <a16:creationId xmlns:a16="http://schemas.microsoft.com/office/drawing/2014/main" id="{1E72E31F-CADC-44A7-82EF-69C8C28B4500}"/>
-              </a:ext>
-            </a:extLst>
-          </p:cNvPr>
-          <p:cNvSpPr txBox="1"/>
-          <p:nvPr/>
-        </p:nvSpPr>
-        <p:spPr>
-          <a:xfrm>
-            <a:off x="1294454" y="3799598"/>
-            <a:ext cx="2492222" cy="1200329"/>
-          </a:xfrm>
-          <a:prstGeom prst="rect">
-            <a:avLst/>
-          </a:prstGeom>
-          <a:noFill/>
-        </p:spPr>
-        <p:txBody>
-          <a:bodyPr wrap="square" rtlCol="0">
-            <a:spAutoFit/>
-          </a:bodyPr>
-          <a:lstStyle/>
-          <a:p>
-            <a:pPr algn="l"/>
-            <a:r>
-              <a:rPr lang="en-IN" dirty="0"/>
-              <a:t>To identify the patterns which indicates if a person is likely to default a loan.</a:t>
-            </a:r>
-            <a:endParaRPr lang="en-US" dirty="0"/>
-          </a:p>
-        </p:txBody>
-      </p:sp>
-      <p:sp>
-        <p:nvSpPr>
-          <p:cNvPr id="25" name="TextBox 24">
-            <a:extLst>
-              <a:ext uri="{FF2B5EF4-FFF2-40B4-BE49-F238E27FC236}">
-                <a16:creationId xmlns:a16="http://schemas.microsoft.com/office/drawing/2014/main" id="{DF2C50D4-3068-4090-9750-7A5E2C5D2145}"/>
-              </a:ext>
-            </a:extLst>
-          </p:cNvPr>
-          <p:cNvSpPr txBox="1"/>
-          <p:nvPr/>
-        </p:nvSpPr>
-        <p:spPr>
-          <a:xfrm>
-            <a:off x="4953688" y="3429000"/>
-            <a:ext cx="2492222" cy="2585323"/>
-          </a:xfrm>
-          <a:prstGeom prst="rect">
-            <a:avLst/>
-          </a:prstGeom>
-          <a:noFill/>
-        </p:spPr>
-        <p:txBody>
-          <a:bodyPr wrap="square" rtlCol="0">
-            <a:spAutoFit/>
-          </a:bodyPr>
-          <a:lstStyle/>
-          <a:p>
-            <a:pPr algn="l"/>
-            <a:r>
-              <a:rPr lang="en-IN" dirty="0"/>
-              <a:t>Based on historic data, identify strong indicators of loan default.</a:t>
-            </a:r>
-          </a:p>
-          <a:p>
-            <a:pPr algn="l"/>
-            <a:r>
-              <a:rPr lang="en-IN" dirty="0"/>
-              <a:t>Then using these driving variables at the time of loan application and understanding the risks involved.</a:t>
-            </a:r>
-            <a:endParaRPr lang="en-US" dirty="0"/>
-          </a:p>
-        </p:txBody>
-      </p:sp>
-      <p:sp>
-        <p:nvSpPr>
-          <p:cNvPr id="27" name="TextBox 26">
-            <a:extLst>
-              <a:ext uri="{FF2B5EF4-FFF2-40B4-BE49-F238E27FC236}">
-                <a16:creationId xmlns:a16="http://schemas.microsoft.com/office/drawing/2014/main" id="{C65C9EE9-40EA-4638-988F-B72BFC760A63}"/>
-              </a:ext>
-            </a:extLst>
-          </p:cNvPr>
-          <p:cNvSpPr txBox="1"/>
-          <p:nvPr/>
-        </p:nvSpPr>
-        <p:spPr>
-          <a:xfrm>
-            <a:off x="8774711" y="3439663"/>
-            <a:ext cx="2492222" cy="2585323"/>
-          </a:xfrm>
-          <a:prstGeom prst="rect">
-            <a:avLst/>
-          </a:prstGeom>
-          <a:noFill/>
-        </p:spPr>
-        <p:txBody>
-          <a:bodyPr wrap="square" rtlCol="0">
-            <a:spAutoFit/>
-          </a:bodyPr>
-          <a:lstStyle/>
-          <a:p>
-            <a:pPr algn="l"/>
-            <a:r>
-              <a:rPr lang="en-IN" dirty="0"/>
-              <a:t>Utilise EDA to undertake risk analytics in consumer finance by understanding different consumer attributes as well as loan attributes that influence the tendency of loan default.</a:t>
-            </a:r>
-            <a:endParaRPr lang="en-US" dirty="0"/>
-          </a:p>
-        </p:txBody>
-      </p:sp>
-    </p:spTree>
-    <p:extLst>
-      <p:ext uri="{BB962C8B-B14F-4D97-AF65-F5344CB8AC3E}">
-        <p14:creationId xmlns:p14="http://schemas.microsoft.com/office/powerpoint/2010/main" val="1401129459"/>
-      </p:ext>
-    </p:extLst>
-  </p:cSld>
-  <p:clrMapOvr>
-    <a:masterClrMapping/>
-  </p:clrMapOvr>
-</p:sld>
-</file>
-
-<file path=ppt/slides/slide3.xml><?xml version="1.0" encoding="utf-8"?>
-<p:sld xmlns:a="http://schemas.openxmlformats.org/drawingml/2006/main" xmlns:r="http://schemas.openxmlformats.org/officeDocument/2006/relationships" xmlns:p="http://schemas.openxmlformats.org/presentationml/2006/main">
-  <p:cSld>
-    <p:spTree>
-      <p:nvGrpSpPr>
-        <p:cNvPr id="1" name=""/>
-        <p:cNvGrpSpPr/>
-        <p:nvPr/>
-      </p:nvGrpSpPr>
-      <p:grpSpPr>
-        <a:xfrm>
-          <a:off x="0" y="0"/>
-          <a:ext cx="0" cy="0"/>
-          <a:chOff x="0" y="0"/>
-          <a:chExt cx="0" cy="0"/>
-        </a:xfrm>
-      </p:grpSpPr>
-      <p:sp>
-        <p:nvSpPr>
-          <p:cNvPr id="6" name="TextBox 5">
-            <a:extLst>
-              <a:ext uri="{FF2B5EF4-FFF2-40B4-BE49-F238E27FC236}">
-                <a16:creationId xmlns:a16="http://schemas.microsoft.com/office/drawing/2014/main" id="{D28DCA61-B5E1-4859-8217-057F880C3E09}"/>
-              </a:ext>
-            </a:extLst>
-          </p:cNvPr>
-          <p:cNvSpPr txBox="1"/>
-          <p:nvPr/>
-        </p:nvSpPr>
-        <p:spPr>
-          <a:xfrm>
-            <a:off x="4846659" y="132498"/>
-            <a:ext cx="6099914" cy="461665"/>
-          </a:xfrm>
-          <a:prstGeom prst="rect">
-            <a:avLst/>
-          </a:prstGeom>
-          <a:noFill/>
-        </p:spPr>
-        <p:txBody>
-          <a:bodyPr wrap="square">
-            <a:spAutoFit/>
-          </a:bodyPr>
-          <a:lstStyle/>
-          <a:p>
-            <a:r>
-              <a:rPr lang="en-IN" sz="2400" b="1" dirty="0"/>
-              <a:t>ANALYSIS APPROACH</a:t>
-            </a:r>
-            <a:endParaRPr lang="en-US" sz="2400" b="1" dirty="0"/>
-          </a:p>
-        </p:txBody>
-      </p:sp>
-      <p:graphicFrame>
-        <p:nvGraphicFramePr>
-          <p:cNvPr id="3" name="Diagram 2">
-            <a:extLst>
-              <a:ext uri="{FF2B5EF4-FFF2-40B4-BE49-F238E27FC236}">
-                <a16:creationId xmlns:a16="http://schemas.microsoft.com/office/drawing/2014/main" id="{B532858F-55E4-41F3-A467-90579EED3424}"/>
-              </a:ext>
-            </a:extLst>
-          </p:cNvPr>
-          <p:cNvGraphicFramePr/>
-          <p:nvPr>
-            <p:extLst>
-              <p:ext uri="{D42A27DB-BD31-4B8C-83A1-F6EECF244321}">
-                <p14:modId xmlns:p14="http://schemas.microsoft.com/office/powerpoint/2010/main" val="1791380791"/>
-              </p:ext>
-            </p:extLst>
-          </p:nvPr>
-        </p:nvGraphicFramePr>
-        <p:xfrm>
-          <a:off x="2032000" y="874213"/>
-          <a:ext cx="8128000" cy="5865346"/>
-        </p:xfrm>
-        <a:graphic>
-          <a:graphicData uri="http://schemas.openxmlformats.org/drawingml/2006/diagram">
-            <dgm:relIds xmlns:dgm="http://schemas.openxmlformats.org/drawingml/2006/diagram" xmlns:r="http://schemas.openxmlformats.org/officeDocument/2006/relationships" r:dm="rId2" r:lo="rId3" r:qs="rId4" r:cs="rId5"/>
-          </a:graphicData>
-        </a:graphic>
-      </p:graphicFrame>
-    </p:spTree>
-    <p:extLst>
-      <p:ext uri="{BB962C8B-B14F-4D97-AF65-F5344CB8AC3E}">
-        <p14:creationId xmlns:p14="http://schemas.microsoft.com/office/powerpoint/2010/main" val="3948258439"/>
-      </p:ext>
-    </p:extLst>
-  </p:cSld>
-  <p:clrMapOvr>
-    <a:masterClrMapping/>
-  </p:clrMapOvr>
-</p:sld>
-</file>
-
-<file path=ppt/slides/slide4.xml><?xml version="1.0" encoding="utf-8"?>
-<p:sld xmlns:a="http://schemas.openxmlformats.org/drawingml/2006/main" xmlns:r="http://schemas.openxmlformats.org/officeDocument/2006/relationships" xmlns:p="http://schemas.openxmlformats.org/presentationml/2006/main">
-  <p:cSld>
-    <p:spTree>
-      <p:nvGrpSpPr>
-        <p:cNvPr id="1" name=""/>
-        <p:cNvGrpSpPr/>
-        <p:nvPr/>
-      </p:nvGrpSpPr>
-      <p:grpSpPr>
-        <a:xfrm>
-          <a:off x="0" y="0"/>
-          <a:ext cx="0" cy="0"/>
-          <a:chOff x="0" y="0"/>
-          <a:chExt cx="0" cy="0"/>
-        </a:xfrm>
-      </p:grpSpPr>
-      <p:sp>
-        <p:nvSpPr>
-          <p:cNvPr id="22" name="TextBox 21">
-            <a:extLst>
-              <a:ext uri="{FF2B5EF4-FFF2-40B4-BE49-F238E27FC236}">
-                <a16:creationId xmlns:a16="http://schemas.microsoft.com/office/drawing/2014/main" id="{58DEF56E-EF29-40B3-ADE8-613366FAA007}"/>
-              </a:ext>
-            </a:extLst>
-          </p:cNvPr>
-          <p:cNvSpPr txBox="1"/>
-          <p:nvPr/>
-        </p:nvSpPr>
-        <p:spPr>
-          <a:xfrm>
-            <a:off x="2714426" y="5441761"/>
-            <a:ext cx="7090033" cy="1200329"/>
-          </a:xfrm>
-          <a:prstGeom prst="rect">
-            <a:avLst/>
-          </a:prstGeom>
-          <a:noFill/>
-        </p:spPr>
-        <p:txBody>
-          <a:bodyPr wrap="square">
-            <a:spAutoFit/>
-          </a:bodyPr>
-          <a:lstStyle/>
-          <a:p>
-            <a:r>
-              <a:rPr lang="en-IN" b="0" i="0" dirty="0">
-                <a:effectLst/>
-                <a:latin typeface="-apple-system"/>
-              </a:rPr>
-              <a:t>There is no variation between loan amounts in Fully Paid/ Charged Off loans.</a:t>
-            </a:r>
-          </a:p>
-          <a:p>
-            <a:r>
-              <a:rPr lang="en-IN" b="0" i="0" dirty="0">
-                <a:effectLst/>
-                <a:latin typeface="-apple-system"/>
-              </a:rPr>
-              <a:t>The loan amount </a:t>
-            </a:r>
-            <a:r>
-              <a:rPr lang="en-IN" b="0" i="0">
-                <a:effectLst/>
-                <a:latin typeface="-apple-system"/>
-              </a:rPr>
-              <a:t>varies up to </a:t>
-            </a:r>
-            <a:r>
-              <a:rPr lang="en-IN" b="0" i="0" dirty="0">
-                <a:effectLst/>
-                <a:latin typeface="-apple-system"/>
-              </a:rPr>
-              <a:t>~35,000 &amp; have a mean of 10,000 in both loan status.</a:t>
-            </a:r>
-            <a:endParaRPr lang="en-US" dirty="0"/>
-          </a:p>
-        </p:txBody>
-      </p:sp>
-      <p:sp>
-        <p:nvSpPr>
-          <p:cNvPr id="10" name="TextBox 9">
-            <a:extLst>
-              <a:ext uri="{FF2B5EF4-FFF2-40B4-BE49-F238E27FC236}">
-                <a16:creationId xmlns:a16="http://schemas.microsoft.com/office/drawing/2014/main" id="{CFF64F11-0092-44FD-9A17-D4366DE53744}"/>
-              </a:ext>
-            </a:extLst>
-          </p:cNvPr>
-          <p:cNvSpPr txBox="1"/>
-          <p:nvPr/>
-        </p:nvSpPr>
-        <p:spPr>
-          <a:xfrm>
-            <a:off x="5629536" y="5037168"/>
-            <a:ext cx="6099914" cy="646331"/>
-          </a:xfrm>
-          <a:prstGeom prst="rect">
-            <a:avLst/>
-          </a:prstGeom>
-          <a:noFill/>
-        </p:spPr>
-        <p:txBody>
-          <a:bodyPr wrap="square">
-            <a:spAutoFit/>
-          </a:bodyPr>
-          <a:lstStyle/>
-          <a:p>
-            <a:endParaRPr lang="en-US" dirty="0"/>
-          </a:p>
-        </p:txBody>
-      </p:sp>
-      <p:sp>
-        <p:nvSpPr>
-          <p:cNvPr id="2" name="TextBox 1">
-            <a:extLst>
-              <a:ext uri="{FF2B5EF4-FFF2-40B4-BE49-F238E27FC236}">
-                <a16:creationId xmlns:a16="http://schemas.microsoft.com/office/drawing/2014/main" id="{9046D559-A02A-4B6E-A433-8A7277080A8C}"/>
-              </a:ext>
-            </a:extLst>
-          </p:cNvPr>
-          <p:cNvSpPr txBox="1"/>
-          <p:nvPr/>
-        </p:nvSpPr>
-        <p:spPr>
-          <a:xfrm>
-            <a:off x="2714426" y="619401"/>
-            <a:ext cx="7001847" cy="553998"/>
-          </a:xfrm>
-          <a:prstGeom prst="rect">
-            <a:avLst/>
-          </a:prstGeom>
-          <a:noFill/>
-        </p:spPr>
-        <p:txBody>
-          <a:bodyPr wrap="square" rtlCol="0">
-            <a:spAutoFit/>
-          </a:bodyPr>
-          <a:lstStyle/>
-          <a:p>
-            <a:pPr algn="ctr"/>
-            <a:r>
-              <a:rPr lang="en-IN" sz="3000" b="1" dirty="0">
-                <a:latin typeface="Calibri" panose="020F0502020204030204" pitchFamily="34" charset="0"/>
-                <a:cs typeface="Calibri" panose="020F0502020204030204" pitchFamily="34" charset="0"/>
-              </a:rPr>
-              <a:t>ANALYSIS – LOAN AMOUNT DISTRIBUTION</a:t>
-            </a:r>
-            <a:endParaRPr lang="en-US" sz="3000" b="1" dirty="0">
-              <a:latin typeface="Calibri" panose="020F0502020204030204" pitchFamily="34" charset="0"/>
-              <a:cs typeface="Calibri" panose="020F0502020204030204" pitchFamily="34" charset="0"/>
-            </a:endParaRPr>
-          </a:p>
-        </p:txBody>
-      </p:sp>
-      <p:pic>
-        <p:nvPicPr>
-          <p:cNvPr id="6" name="Picture 5">
-            <a:extLst>
-              <a:ext uri="{FF2B5EF4-FFF2-40B4-BE49-F238E27FC236}">
-                <a16:creationId xmlns:a16="http://schemas.microsoft.com/office/drawing/2014/main" id="{07D376C2-D06D-81BF-2B25-0817F3117AE4}"/>
-              </a:ext>
-            </a:extLst>
-          </p:cNvPr>
-          <p:cNvPicPr>
-            <a:picLocks noChangeAspect="1"/>
-          </p:cNvPicPr>
-          <p:nvPr/>
-        </p:nvPicPr>
-        <p:blipFill>
-          <a:blip r:embed="rId2"/>
-          <a:stretch>
-            <a:fillRect/>
-          </a:stretch>
-        </p:blipFill>
-        <p:spPr>
-          <a:xfrm>
-            <a:off x="3124330" y="1435452"/>
-            <a:ext cx="5321300" cy="3429000"/>
-          </a:xfrm>
-          <a:prstGeom prst="rect">
-            <a:avLst/>
-          </a:prstGeom>
-        </p:spPr>
-      </p:pic>
-    </p:spTree>
-    <p:extLst>
-      <p:ext uri="{BB962C8B-B14F-4D97-AF65-F5344CB8AC3E}">
-        <p14:creationId xmlns:p14="http://schemas.microsoft.com/office/powerpoint/2010/main" val="3299212150"/>
-      </p:ext>
-    </p:extLst>
-  </p:cSld>
-  <p:clrMapOvr>
-    <a:masterClrMapping/>
-  </p:clrMapOvr>
-</p:sld>
-</file>
-
-<file path=ppt/slides/slide5.xml><?xml version="1.0" encoding="utf-8"?>
-<p:sld xmlns:a="http://schemas.openxmlformats.org/drawingml/2006/main" xmlns:r="http://schemas.openxmlformats.org/officeDocument/2006/relationships" xmlns:p="http://schemas.openxmlformats.org/presentationml/2006/main">
-  <p:cSld>
-    <p:spTree>
-      <p:nvGrpSpPr>
-        <p:cNvPr id="1" name=""/>
-        <p:cNvGrpSpPr/>
-        <p:nvPr/>
-      </p:nvGrpSpPr>
-      <p:grpSpPr>
-        <a:xfrm>
-          <a:off x="0" y="0"/>
-          <a:ext cx="0" cy="0"/>
-          <a:chOff x="0" y="0"/>
-          <a:chExt cx="0" cy="0"/>
-        </a:xfrm>
-      </p:grpSpPr>
-      <p:pic>
-        <p:nvPicPr>
-          <p:cNvPr id="3" name="Picture 2">
-            <a:extLst>
-              <a:ext uri="{FF2B5EF4-FFF2-40B4-BE49-F238E27FC236}">
-                <a16:creationId xmlns:a16="http://schemas.microsoft.com/office/drawing/2014/main" id="{1E8B6551-59E5-4914-85A3-8D087CAD3613}"/>
-              </a:ext>
-            </a:extLst>
-          </p:cNvPr>
-          <p:cNvPicPr>
-            <a:picLocks noChangeAspect="1"/>
-          </p:cNvPicPr>
-          <p:nvPr/>
-        </p:nvPicPr>
-        <p:blipFill rotWithShape="1">
-          <a:blip r:embed="rId2"/>
-          <a:srcRect l="320" t="9709" r="12256" b="739"/>
-          <a:stretch/>
-        </p:blipFill>
-        <p:spPr>
-          <a:xfrm>
-            <a:off x="940540" y="1782147"/>
-            <a:ext cx="5321300" cy="3528366"/>
-          </a:xfrm>
-          <a:prstGeom prst="rect">
-            <a:avLst/>
-          </a:prstGeom>
-        </p:spPr>
-      </p:pic>
-      <p:sp>
-        <p:nvSpPr>
-          <p:cNvPr id="5" name="TextBox 4">
-            <a:extLst>
-              <a:ext uri="{FF2B5EF4-FFF2-40B4-BE49-F238E27FC236}">
-                <a16:creationId xmlns:a16="http://schemas.microsoft.com/office/drawing/2014/main" id="{BF722BEC-9435-4747-87F3-15D7C3D228F7}"/>
-              </a:ext>
-            </a:extLst>
-          </p:cNvPr>
-          <p:cNvSpPr txBox="1"/>
-          <p:nvPr/>
-        </p:nvSpPr>
-        <p:spPr>
-          <a:xfrm>
-            <a:off x="940540" y="5474918"/>
-            <a:ext cx="4019189" cy="1200329"/>
-          </a:xfrm>
-          <a:prstGeom prst="rect">
-            <a:avLst/>
-          </a:prstGeom>
-          <a:noFill/>
-        </p:spPr>
-        <p:txBody>
-          <a:bodyPr wrap="square">
-            <a:spAutoFit/>
-          </a:bodyPr>
-          <a:lstStyle/>
-          <a:p>
-            <a:r>
-              <a:rPr lang="en-IN" sz="2400" b="0" i="0" dirty="0">
-                <a:effectLst/>
-              </a:rPr>
-              <a:t>Most of the loans are high graded (grade of A and B) loans, about &gt; 50%.</a:t>
-            </a:r>
-            <a:endParaRPr lang="en-US" sz="2400" dirty="0"/>
-          </a:p>
-        </p:txBody>
-      </p:sp>
-      <p:sp>
-        <p:nvSpPr>
-          <p:cNvPr id="7" name="TextBox 6">
-            <a:extLst>
-              <a:ext uri="{FF2B5EF4-FFF2-40B4-BE49-F238E27FC236}">
-                <a16:creationId xmlns:a16="http://schemas.microsoft.com/office/drawing/2014/main" id="{D4C8C96E-7485-46D0-9670-EE4B405F26C9}"/>
-              </a:ext>
-            </a:extLst>
-          </p:cNvPr>
-          <p:cNvSpPr txBox="1"/>
-          <p:nvPr/>
-        </p:nvSpPr>
-        <p:spPr>
-          <a:xfrm>
-            <a:off x="2950135" y="688222"/>
-            <a:ext cx="6093390" cy="553998"/>
-          </a:xfrm>
-          <a:prstGeom prst="rect">
-            <a:avLst/>
-          </a:prstGeom>
-          <a:noFill/>
-        </p:spPr>
-        <p:txBody>
-          <a:bodyPr wrap="square">
-            <a:spAutoFit/>
-          </a:bodyPr>
-          <a:lstStyle/>
-          <a:p>
-            <a:pPr algn="ctr"/>
-            <a:r>
-              <a:rPr lang="en-IN" sz="3000" b="1" i="0" dirty="0">
-                <a:effectLst/>
-              </a:rPr>
-              <a:t>ANALYSIS – GRADES </a:t>
-            </a:r>
-            <a:endParaRPr lang="en-US" sz="3000" dirty="0"/>
-          </a:p>
-        </p:txBody>
-      </p:sp>
-      <p:sp>
-        <p:nvSpPr>
-          <p:cNvPr id="11" name="TextBox 10">
-            <a:extLst>
-              <a:ext uri="{FF2B5EF4-FFF2-40B4-BE49-F238E27FC236}">
-                <a16:creationId xmlns:a16="http://schemas.microsoft.com/office/drawing/2014/main" id="{D8B0BDAC-9C4E-44B7-8893-60A313EA0BAF}"/>
-              </a:ext>
-            </a:extLst>
-          </p:cNvPr>
-          <p:cNvSpPr txBox="1"/>
-          <p:nvPr/>
-        </p:nvSpPr>
-        <p:spPr>
-          <a:xfrm>
-            <a:off x="5344293" y="4987348"/>
-            <a:ext cx="6093390" cy="646331"/>
-          </a:xfrm>
-          <a:prstGeom prst="rect">
-            <a:avLst/>
-          </a:prstGeom>
-          <a:noFill/>
-        </p:spPr>
-        <p:txBody>
-          <a:bodyPr wrap="square">
-            <a:spAutoFit/>
-          </a:bodyPr>
-          <a:lstStyle/>
-          <a:p>
-            <a:pPr algn="l"/>
-            <a:endParaRPr lang="en-US" dirty="0"/>
-          </a:p>
-        </p:txBody>
-      </p:sp>
-      <p:pic>
-        <p:nvPicPr>
-          <p:cNvPr id="2" name="Picture 1">
-            <a:extLst>
-              <a:ext uri="{FF2B5EF4-FFF2-40B4-BE49-F238E27FC236}">
-                <a16:creationId xmlns:a16="http://schemas.microsoft.com/office/drawing/2014/main" id="{9C5C1B64-5DA9-42F2-1FAE-8AD730F20685}"/>
-              </a:ext>
-            </a:extLst>
-          </p:cNvPr>
-          <p:cNvPicPr>
-            <a:picLocks noChangeAspect="1"/>
-          </p:cNvPicPr>
-          <p:nvPr/>
-        </p:nvPicPr>
-        <p:blipFill>
-          <a:blip r:embed="rId3"/>
-          <a:stretch>
-            <a:fillRect/>
-          </a:stretch>
-        </p:blipFill>
-        <p:spPr>
-          <a:xfrm>
-            <a:off x="6577912" y="1776248"/>
-            <a:ext cx="5321300" cy="3523404"/>
-          </a:xfrm>
-          <a:prstGeom prst="rect">
-            <a:avLst/>
-          </a:prstGeom>
-        </p:spPr>
-      </p:pic>
-      <p:sp>
-        <p:nvSpPr>
-          <p:cNvPr id="8" name="TextBox 7">
-            <a:extLst>
-              <a:ext uri="{FF2B5EF4-FFF2-40B4-BE49-F238E27FC236}">
-                <a16:creationId xmlns:a16="http://schemas.microsoft.com/office/drawing/2014/main" id="{8BA81F42-C390-D04B-2A24-C95CA44D9A57}"/>
-              </a:ext>
-            </a:extLst>
-          </p:cNvPr>
-          <p:cNvSpPr txBox="1"/>
-          <p:nvPr/>
-        </p:nvSpPr>
-        <p:spPr>
-          <a:xfrm>
-            <a:off x="6886904" y="5434122"/>
-            <a:ext cx="4364556" cy="830997"/>
-          </a:xfrm>
-          <a:prstGeom prst="rect">
-            <a:avLst/>
-          </a:prstGeom>
-          <a:noFill/>
-        </p:spPr>
-        <p:txBody>
-          <a:bodyPr wrap="square">
-            <a:spAutoFit/>
-          </a:bodyPr>
-          <a:lstStyle/>
-          <a:p>
-            <a:r>
-              <a:rPr lang="en-IN" sz="2400" b="0" i="0" dirty="0">
-                <a:effectLst/>
-                <a:latin typeface="-apple-system"/>
-              </a:rPr>
-              <a:t>Majority of the Charged Off loans are from B, C, D Grades</a:t>
-            </a:r>
-            <a:endParaRPr lang="en-US" sz="2400" dirty="0"/>
-          </a:p>
-        </p:txBody>
-      </p:sp>
-    </p:spTree>
-    <p:extLst>
-      <p:ext uri="{BB962C8B-B14F-4D97-AF65-F5344CB8AC3E}">
-        <p14:creationId xmlns:p14="http://schemas.microsoft.com/office/powerpoint/2010/main" val="2855844462"/>
-      </p:ext>
-    </p:extLst>
-  </p:cSld>
-  <p:clrMapOvr>
-    <a:masterClrMapping/>
-  </p:clrMapOvr>
-</p:sld>
-</file>
-
-<file path=ppt/slides/slide6.xml><?xml version="1.0" encoding="utf-8"?>
-<p:sld xmlns:a="http://schemas.openxmlformats.org/drawingml/2006/main" xmlns:r="http://schemas.openxmlformats.org/officeDocument/2006/relationships" xmlns:p="http://schemas.openxmlformats.org/presentationml/2006/main">
-  <p:cSld>
-    <p:spTree>
-      <p:nvGrpSpPr>
-        <p:cNvPr id="1" name=""/>
-        <p:cNvGrpSpPr/>
-        <p:nvPr/>
-      </p:nvGrpSpPr>
-      <p:grpSpPr>
-        <a:xfrm>
-          <a:off x="0" y="0"/>
-          <a:ext cx="0" cy="0"/>
-          <a:chOff x="0" y="0"/>
-          <a:chExt cx="0" cy="0"/>
-        </a:xfrm>
-      </p:grpSpPr>
-      <p:sp>
-        <p:nvSpPr>
-          <p:cNvPr id="5" name="TextBox 4">
-            <a:extLst>
-              <a:ext uri="{FF2B5EF4-FFF2-40B4-BE49-F238E27FC236}">
-                <a16:creationId xmlns:a16="http://schemas.microsoft.com/office/drawing/2014/main" id="{B02CC8B3-A5FD-474F-AB26-110676784BBC}"/>
-              </a:ext>
-            </a:extLst>
-          </p:cNvPr>
-          <p:cNvSpPr txBox="1"/>
-          <p:nvPr/>
-        </p:nvSpPr>
-        <p:spPr>
-          <a:xfrm>
-            <a:off x="1198861" y="5168495"/>
-            <a:ext cx="9794278" cy="1200329"/>
-          </a:xfrm>
-          <a:prstGeom prst="rect">
-            <a:avLst/>
-          </a:prstGeom>
-          <a:noFill/>
-        </p:spPr>
-        <p:txBody>
-          <a:bodyPr wrap="square">
-            <a:spAutoFit/>
-          </a:bodyPr>
-          <a:lstStyle/>
-          <a:p>
-            <a:pPr algn="l"/>
-            <a:r>
-              <a:rPr lang="en-IN" sz="2400" dirty="0">
-                <a:latin typeface="-apple-system"/>
-              </a:rPr>
-              <a:t>Change of rate is increasing with the increase in Grade (from A to G).</a:t>
-            </a:r>
-          </a:p>
-          <a:p>
-            <a:r>
-              <a:rPr lang="en-IN" sz="2400" b="0" i="0" dirty="0">
-                <a:effectLst/>
-                <a:latin typeface="-apple-system"/>
-              </a:rPr>
-              <a:t>Interest Rate is also increasing from Grade A to G, which is in parity with the increase in Charged off rate.</a:t>
-            </a:r>
-            <a:endParaRPr lang="en-US" sz="2400" dirty="0"/>
-          </a:p>
-        </p:txBody>
-      </p:sp>
-      <p:sp>
-        <p:nvSpPr>
-          <p:cNvPr id="7" name="TextBox 6">
-            <a:extLst>
-              <a:ext uri="{FF2B5EF4-FFF2-40B4-BE49-F238E27FC236}">
-                <a16:creationId xmlns:a16="http://schemas.microsoft.com/office/drawing/2014/main" id="{3CF11DE4-7609-434B-9EF2-4B9B74980175}"/>
-              </a:ext>
-            </a:extLst>
-          </p:cNvPr>
-          <p:cNvSpPr txBox="1"/>
-          <p:nvPr/>
-        </p:nvSpPr>
-        <p:spPr>
-          <a:xfrm>
-            <a:off x="3725189" y="921417"/>
-            <a:ext cx="6093390" cy="553998"/>
-          </a:xfrm>
-          <a:prstGeom prst="rect">
-            <a:avLst/>
-          </a:prstGeom>
-          <a:noFill/>
-        </p:spPr>
-        <p:txBody>
-          <a:bodyPr wrap="square">
-            <a:spAutoFit/>
-          </a:bodyPr>
-          <a:lstStyle/>
-          <a:p>
-            <a:r>
-              <a:rPr lang="en-IN" sz="3000" b="1" i="0" dirty="0">
-                <a:effectLst/>
-              </a:rPr>
-              <a:t>ANALYSIS – GRADES (continued)</a:t>
-            </a:r>
-            <a:endParaRPr lang="en-US" sz="3000" dirty="0"/>
-          </a:p>
-        </p:txBody>
-      </p:sp>
-      <p:pic>
-        <p:nvPicPr>
-          <p:cNvPr id="13" name="Picture 12">
-            <a:extLst>
-              <a:ext uri="{FF2B5EF4-FFF2-40B4-BE49-F238E27FC236}">
-                <a16:creationId xmlns:a16="http://schemas.microsoft.com/office/drawing/2014/main" id="{91B49666-D03F-4054-BCFD-AB9B04BFE684}"/>
-              </a:ext>
-            </a:extLst>
-          </p:cNvPr>
-          <p:cNvPicPr>
-            <a:picLocks noChangeAspect="1"/>
-          </p:cNvPicPr>
-          <p:nvPr/>
-        </p:nvPicPr>
-        <p:blipFill rotWithShape="1">
-          <a:blip r:embed="rId2"/>
-          <a:srcRect t="10412" r="11669"/>
-          <a:stretch/>
-        </p:blipFill>
-        <p:spPr>
-          <a:xfrm>
-            <a:off x="901038" y="1980795"/>
-            <a:ext cx="3894168" cy="2543196"/>
-          </a:xfrm>
-          <a:prstGeom prst="rect">
-            <a:avLst/>
-          </a:prstGeom>
-        </p:spPr>
-      </p:pic>
-      <p:pic>
-        <p:nvPicPr>
-          <p:cNvPr id="2" name="Picture 1">
-            <a:extLst>
-              <a:ext uri="{FF2B5EF4-FFF2-40B4-BE49-F238E27FC236}">
-                <a16:creationId xmlns:a16="http://schemas.microsoft.com/office/drawing/2014/main" id="{69E55068-C4C8-2334-E88C-4696252988BE}"/>
-              </a:ext>
-            </a:extLst>
-          </p:cNvPr>
-          <p:cNvPicPr>
-            <a:picLocks noChangeAspect="1"/>
-          </p:cNvPicPr>
-          <p:nvPr/>
-        </p:nvPicPr>
-        <p:blipFill>
-          <a:blip r:embed="rId3"/>
-          <a:stretch>
-            <a:fillRect/>
-          </a:stretch>
-        </p:blipFill>
-        <p:spPr>
-          <a:xfrm>
-            <a:off x="4910521" y="1475415"/>
-            <a:ext cx="3022600" cy="3187700"/>
-          </a:xfrm>
-          <a:prstGeom prst="rect">
-            <a:avLst/>
-          </a:prstGeom>
-        </p:spPr>
-      </p:pic>
-      <p:pic>
-        <p:nvPicPr>
-          <p:cNvPr id="3" name="Picture 2">
-            <a:extLst>
-              <a:ext uri="{FF2B5EF4-FFF2-40B4-BE49-F238E27FC236}">
-                <a16:creationId xmlns:a16="http://schemas.microsoft.com/office/drawing/2014/main" id="{FC9290ED-39FD-07F9-B7D4-BDEBF88DFFAB}"/>
-              </a:ext>
-            </a:extLst>
-          </p:cNvPr>
-          <p:cNvPicPr>
-            <a:picLocks noChangeAspect="1"/>
-          </p:cNvPicPr>
-          <p:nvPr/>
-        </p:nvPicPr>
-        <p:blipFill rotWithShape="1">
-          <a:blip r:embed="rId4"/>
-          <a:srcRect t="10915" r="9598"/>
-          <a:stretch/>
-        </p:blipFill>
-        <p:spPr>
-          <a:xfrm>
-            <a:off x="8048436" y="1875549"/>
-            <a:ext cx="4010500" cy="2664921"/>
-          </a:xfrm>
-          <a:prstGeom prst="rect">
-            <a:avLst/>
-          </a:prstGeom>
-        </p:spPr>
-      </p:pic>
-    </p:spTree>
-    <p:extLst>
-      <p:ext uri="{BB962C8B-B14F-4D97-AF65-F5344CB8AC3E}">
-        <p14:creationId xmlns:p14="http://schemas.microsoft.com/office/powerpoint/2010/main" val="3158917636"/>
-      </p:ext>
-    </p:extLst>
-  </p:cSld>
-  <p:clrMapOvr>
-    <a:masterClrMapping/>
-  </p:clrMapOvr>
-</p:sld>
-</file>
-
-<file path=ppt/slides/slide7.xml><?xml version="1.0" encoding="utf-8"?>
-<p:sld xmlns:a="http://schemas.openxmlformats.org/drawingml/2006/main" xmlns:r="http://schemas.openxmlformats.org/officeDocument/2006/relationships" xmlns:p="http://schemas.openxmlformats.org/presentationml/2006/main">
-  <p:cSld>
-    <p:spTree>
-      <p:nvGrpSpPr>
-        <p:cNvPr id="1" name=""/>
-        <p:cNvGrpSpPr/>
-        <p:nvPr/>
-      </p:nvGrpSpPr>
-      <p:grpSpPr>
-        <a:xfrm>
-          <a:off x="0" y="0"/>
-          <a:ext cx="0" cy="0"/>
-          <a:chOff x="0" y="0"/>
-          <a:chExt cx="0" cy="0"/>
-        </a:xfrm>
-      </p:grpSpPr>
-      <p:pic>
-        <p:nvPicPr>
-          <p:cNvPr id="9" name="Picture 8">
-            <a:extLst>
-              <a:ext uri="{FF2B5EF4-FFF2-40B4-BE49-F238E27FC236}">
-                <a16:creationId xmlns:a16="http://schemas.microsoft.com/office/drawing/2014/main" id="{9BDE4569-79E1-45C6-8068-11A7F1EB8F8B}"/>
-              </a:ext>
-            </a:extLst>
-          </p:cNvPr>
-          <p:cNvPicPr>
-            <a:picLocks noChangeAspect="1"/>
-          </p:cNvPicPr>
-          <p:nvPr/>
-        </p:nvPicPr>
-        <p:blipFill rotWithShape="1">
-          <a:blip r:embed="rId2"/>
-          <a:srcRect t="3466" r="11973"/>
-          <a:stretch/>
-        </p:blipFill>
-        <p:spPr>
-          <a:xfrm>
-            <a:off x="1247228" y="1233493"/>
-            <a:ext cx="5013434" cy="3788291"/>
-          </a:xfrm>
-          <a:prstGeom prst="rect">
-            <a:avLst/>
-          </a:prstGeom>
-        </p:spPr>
-      </p:pic>
-      <p:sp>
-        <p:nvSpPr>
-          <p:cNvPr id="13" name="TextBox 12">
-            <a:extLst>
-              <a:ext uri="{FF2B5EF4-FFF2-40B4-BE49-F238E27FC236}">
-                <a16:creationId xmlns:a16="http://schemas.microsoft.com/office/drawing/2014/main" id="{DE80B65C-19BB-4AFD-A340-BA2B9619AB65}"/>
-              </a:ext>
-            </a:extLst>
-          </p:cNvPr>
-          <p:cNvSpPr txBox="1"/>
-          <p:nvPr/>
-        </p:nvSpPr>
-        <p:spPr>
-          <a:xfrm>
-            <a:off x="735725" y="5521859"/>
-            <a:ext cx="10079420" cy="830997"/>
-          </a:xfrm>
-          <a:prstGeom prst="rect">
-            <a:avLst/>
-          </a:prstGeom>
-          <a:noFill/>
-        </p:spPr>
-        <p:txBody>
-          <a:bodyPr wrap="square" rtlCol="0">
-            <a:spAutoFit/>
-          </a:bodyPr>
-          <a:lstStyle/>
-          <a:p>
-            <a:pPr algn="l"/>
-            <a:r>
-              <a:rPr lang="en-IN" sz="2400" b="0" i="0" dirty="0">
-                <a:effectLst/>
-                <a:latin typeface="-apple-system"/>
-              </a:rPr>
-              <a:t>Most of the loans are taken by employees with more than 10 years exp (~25%).</a:t>
-            </a:r>
-          </a:p>
-          <a:p>
-            <a:pPr algn="l"/>
-            <a:r>
-              <a:rPr lang="en-IN" sz="2400" dirty="0">
-                <a:latin typeface="-apple-system"/>
-              </a:rPr>
-              <a:t>But Charge-off rate across all the categories is same. </a:t>
-            </a:r>
-            <a:endParaRPr lang="en-US" sz="2400" dirty="0"/>
-          </a:p>
-        </p:txBody>
-      </p:sp>
-      <p:sp>
-        <p:nvSpPr>
-          <p:cNvPr id="2" name="TextBox 1">
-            <a:extLst>
-              <a:ext uri="{FF2B5EF4-FFF2-40B4-BE49-F238E27FC236}">
-                <a16:creationId xmlns:a16="http://schemas.microsoft.com/office/drawing/2014/main" id="{F8137A36-CF66-40F3-A496-27D934C33450}"/>
-              </a:ext>
-            </a:extLst>
-          </p:cNvPr>
-          <p:cNvSpPr txBox="1"/>
-          <p:nvPr/>
-        </p:nvSpPr>
-        <p:spPr>
-          <a:xfrm>
-            <a:off x="2438400" y="367906"/>
-            <a:ext cx="8376745" cy="553998"/>
-          </a:xfrm>
-          <a:prstGeom prst="rect">
-            <a:avLst/>
-          </a:prstGeom>
-          <a:noFill/>
-        </p:spPr>
-        <p:txBody>
-          <a:bodyPr wrap="square">
-            <a:spAutoFit/>
-          </a:bodyPr>
-          <a:lstStyle/>
-          <a:p>
-            <a:r>
-              <a:rPr lang="en-IN" sz="3000" b="1" i="0" dirty="0">
-                <a:effectLst/>
-                <a:latin typeface="Calibri" panose="020F0502020204030204" pitchFamily="34" charset="0"/>
-                <a:cs typeface="Calibri" panose="020F0502020204030204" pitchFamily="34" charset="0"/>
-              </a:rPr>
-              <a:t>Analysis – </a:t>
-            </a:r>
-            <a:r>
-              <a:rPr lang="en-IN" sz="3000" b="1" dirty="0">
-                <a:latin typeface="Calibri" panose="020F0502020204030204" pitchFamily="34" charset="0"/>
-                <a:cs typeface="Calibri" panose="020F0502020204030204" pitchFamily="34" charset="0"/>
-              </a:rPr>
-              <a:t>Employee Experience</a:t>
-            </a:r>
-            <a:endParaRPr lang="en-US" sz="3000" dirty="0">
-              <a:latin typeface="Calibri" panose="020F0502020204030204" pitchFamily="34" charset="0"/>
-              <a:cs typeface="Calibri" panose="020F0502020204030204" pitchFamily="34" charset="0"/>
-            </a:endParaRPr>
-          </a:p>
-        </p:txBody>
-      </p:sp>
-      <p:pic>
-        <p:nvPicPr>
-          <p:cNvPr id="3" name="Picture 2">
-            <a:extLst>
-              <a:ext uri="{FF2B5EF4-FFF2-40B4-BE49-F238E27FC236}">
-                <a16:creationId xmlns:a16="http://schemas.microsoft.com/office/drawing/2014/main" id="{1270AD82-EA3A-847E-29FE-8066D929B130}"/>
-              </a:ext>
-            </a:extLst>
-          </p:cNvPr>
-          <p:cNvPicPr>
-            <a:picLocks noChangeAspect="1"/>
-          </p:cNvPicPr>
-          <p:nvPr/>
-        </p:nvPicPr>
-        <p:blipFill>
-          <a:blip r:embed="rId3"/>
-          <a:stretch>
-            <a:fillRect/>
-          </a:stretch>
-        </p:blipFill>
-        <p:spPr>
-          <a:xfrm>
-            <a:off x="7716928" y="973981"/>
-            <a:ext cx="3022600" cy="4495800"/>
-          </a:xfrm>
-          <a:prstGeom prst="rect">
-            <a:avLst/>
-          </a:prstGeom>
-        </p:spPr>
-      </p:pic>
-    </p:spTree>
-    <p:extLst>
-      <p:ext uri="{BB962C8B-B14F-4D97-AF65-F5344CB8AC3E}">
-        <p14:creationId xmlns:p14="http://schemas.microsoft.com/office/powerpoint/2010/main" val="2790341753"/>
-      </p:ext>
-    </p:extLst>
-  </p:cSld>
-  <p:clrMapOvr>
-    <a:masterClrMapping/>
-  </p:clrMapOvr>
-</p:sld>
-</file>
-
-<file path=ppt/slides/slide8.xml><?xml version="1.0" encoding="utf-8"?>
-<p:sld xmlns:a="http://schemas.openxmlformats.org/drawingml/2006/main" xmlns:r="http://schemas.openxmlformats.org/officeDocument/2006/relationships" xmlns:p="http://schemas.openxmlformats.org/presentationml/2006/main">
-  <p:cSld>
-    <p:spTree>
-      <p:nvGrpSpPr>
-        <p:cNvPr id="1" name=""/>
-        <p:cNvGrpSpPr/>
-        <p:nvPr/>
-      </p:nvGrpSpPr>
-      <p:grpSpPr>
-        <a:xfrm>
-          <a:off x="0" y="0"/>
-          <a:ext cx="0" cy="0"/>
-          <a:chOff x="0" y="0"/>
-          <a:chExt cx="0" cy="0"/>
-        </a:xfrm>
-      </p:grpSpPr>
-      <p:sp>
-        <p:nvSpPr>
-          <p:cNvPr id="2" name="TextBox 1">
-            <a:extLst>
-              <a:ext uri="{FF2B5EF4-FFF2-40B4-BE49-F238E27FC236}">
-                <a16:creationId xmlns:a16="http://schemas.microsoft.com/office/drawing/2014/main" id="{F8137A36-CF66-40F3-A496-27D934C33450}"/>
-              </a:ext>
-            </a:extLst>
-          </p:cNvPr>
-          <p:cNvSpPr txBox="1"/>
-          <p:nvPr/>
-        </p:nvSpPr>
-        <p:spPr>
-          <a:xfrm>
-            <a:off x="2249214" y="581886"/>
-            <a:ext cx="7062952" cy="553998"/>
-          </a:xfrm>
-          <a:prstGeom prst="rect">
-            <a:avLst/>
-          </a:prstGeom>
-          <a:noFill/>
-        </p:spPr>
-        <p:txBody>
-          <a:bodyPr wrap="square">
-            <a:spAutoFit/>
-          </a:bodyPr>
-          <a:lstStyle/>
-          <a:p>
-            <a:r>
-              <a:rPr lang="en-IN" sz="3000" b="1" i="0" dirty="0">
-                <a:effectLst/>
-              </a:rPr>
-              <a:t>ANALYSIS – DTI (Debt to Income Ratio)</a:t>
-            </a:r>
-            <a:endParaRPr lang="en-US" sz="3000" dirty="0"/>
-          </a:p>
-        </p:txBody>
-      </p:sp>
-      <p:pic>
-        <p:nvPicPr>
-          <p:cNvPr id="3" name="Picture 5">
-            <a:extLst>
-              <a:ext uri="{FF2B5EF4-FFF2-40B4-BE49-F238E27FC236}">
-                <a16:creationId xmlns:a16="http://schemas.microsoft.com/office/drawing/2014/main" id="{C550A80D-DB88-4834-9DD5-94F3A8DD090D}"/>
-              </a:ext>
-            </a:extLst>
-          </p:cNvPr>
-          <p:cNvPicPr>
-            <a:picLocks noChangeAspect="1"/>
-          </p:cNvPicPr>
-          <p:nvPr/>
-        </p:nvPicPr>
-        <p:blipFill rotWithShape="1">
-          <a:blip r:embed="rId2">
-            <a:extLst>
-              <a:ext uri="{28A0092B-C50C-407E-A947-70E740481C1C}">
-                <a14:useLocalDpi xmlns:a14="http://schemas.microsoft.com/office/drawing/2010/main" val="0"/>
-              </a:ext>
-            </a:extLst>
-          </a:blip>
-          <a:srcRect l="-596" r="-1" b="74476"/>
-          <a:stretch/>
-        </p:blipFill>
-        <p:spPr>
-          <a:xfrm>
-            <a:off x="885825" y="2548264"/>
-            <a:ext cx="5790288" cy="1761472"/>
-          </a:xfrm>
-          <a:prstGeom prst="rect">
-            <a:avLst/>
-          </a:prstGeom>
-        </p:spPr>
-      </p:pic>
-      <p:pic>
-        <p:nvPicPr>
-          <p:cNvPr id="6" name="Picture 6">
-            <a:extLst>
-              <a:ext uri="{FF2B5EF4-FFF2-40B4-BE49-F238E27FC236}">
-                <a16:creationId xmlns:a16="http://schemas.microsoft.com/office/drawing/2014/main" id="{ED0E8395-C79E-4B1F-910F-F4DCA632BB95}"/>
-              </a:ext>
-            </a:extLst>
-          </p:cNvPr>
-          <p:cNvPicPr>
-            <a:picLocks noChangeAspect="1"/>
-          </p:cNvPicPr>
-          <p:nvPr/>
-        </p:nvPicPr>
-        <p:blipFill rotWithShape="1">
-          <a:blip r:embed="rId2">
-            <a:extLst>
-              <a:ext uri="{28A0092B-C50C-407E-A947-70E740481C1C}">
-                <a14:useLocalDpi xmlns:a14="http://schemas.microsoft.com/office/drawing/2010/main" val="0"/>
-              </a:ext>
-            </a:extLst>
-          </a:blip>
-          <a:srcRect l="1940" t="39160" r="25031" b="956"/>
-          <a:stretch/>
-        </p:blipFill>
-        <p:spPr>
-          <a:xfrm>
-            <a:off x="6945295" y="1289809"/>
-            <a:ext cx="5068030" cy="3713115"/>
-          </a:xfrm>
-          <a:prstGeom prst="rect">
-            <a:avLst/>
-          </a:prstGeom>
-        </p:spPr>
-      </p:pic>
-      <p:sp>
-        <p:nvSpPr>
-          <p:cNvPr id="7" name="TextBox 6">
-            <a:extLst>
-              <a:ext uri="{FF2B5EF4-FFF2-40B4-BE49-F238E27FC236}">
-                <a16:creationId xmlns:a16="http://schemas.microsoft.com/office/drawing/2014/main" id="{83C02D32-63E7-43E0-5572-82AA75758F92}"/>
-              </a:ext>
-            </a:extLst>
-          </p:cNvPr>
-          <p:cNvSpPr txBox="1"/>
-          <p:nvPr/>
-        </p:nvSpPr>
-        <p:spPr>
-          <a:xfrm>
-            <a:off x="1103586" y="5433848"/>
-            <a:ext cx="8776138" cy="369332"/>
-          </a:xfrm>
-          <a:prstGeom prst="rect">
-            <a:avLst/>
-          </a:prstGeom>
-          <a:noFill/>
-        </p:spPr>
-        <p:txBody>
-          <a:bodyPr wrap="square" rtlCol="0">
-            <a:spAutoFit/>
-          </a:bodyPr>
-          <a:lstStyle/>
-          <a:p>
-            <a:r>
-              <a:rPr lang="en-US" dirty="0"/>
-              <a:t>Charge-off Percentage is increasing with the increase in DTI</a:t>
-            </a:r>
-          </a:p>
-        </p:txBody>
-      </p:sp>
-    </p:spTree>
-    <p:extLst>
-      <p:ext uri="{BB962C8B-B14F-4D97-AF65-F5344CB8AC3E}">
-        <p14:creationId xmlns:p14="http://schemas.microsoft.com/office/powerpoint/2010/main" val="2981107659"/>
-      </p:ext>
-    </p:extLst>
-  </p:cSld>
-  <p:clrMapOvr>
-    <a:masterClrMapping/>
-  </p:clrMapOvr>
-</p:sld>
-</file>
-
-<file path=ppt/slides/slide9.xml><?xml version="1.0" encoding="utf-8"?>
 <p:sld xmlns:a="http://schemas.openxmlformats.org/drawingml/2006/main" xmlns:r="http://schemas.openxmlformats.org/officeDocument/2006/relationships" xmlns:p="http://schemas.openxmlformats.org/presentationml/2006/main">
   <p:cSld>
     <p:spTree>
@@ -9737,7 +7622,8 @@
           <a:p>
             <a:r>
               <a:rPr lang="en-US" sz="3000" b="1" dirty="0">
-                <a:latin typeface="+mn-lt"/>
+                <a:latin typeface="Calibri" panose="020F0502020204030204" pitchFamily="34" charset="0"/>
+                <a:cs typeface="Calibri" panose="020F0502020204030204" pitchFamily="34" charset="0"/>
               </a:rPr>
               <a:t>Analysis – Term &amp; Interest</a:t>
             </a:r>
@@ -10064,19 +7950,11 @@
           <a:p>
             <a:pPr algn="l"/>
             <a:r>
-              <a:rPr lang="en-US" sz="2400" dirty="0"/>
-              <a:t>Majority of the loans are short-term (36 months) but the </a:t>
-            </a:r>
-            <a:r>
               <a:rPr lang="en-US" sz="2400" dirty="0">
                 <a:latin typeface="Calibri" panose="020F0502020204030204" pitchFamily="34" charset="0"/>
                 <a:cs typeface="Calibri" panose="020F0502020204030204" pitchFamily="34" charset="0"/>
               </a:rPr>
-              <a:t>charged-off</a:t>
-            </a:r>
-            <a:r>
-              <a:rPr lang="en-US" sz="2400" dirty="0"/>
-              <a:t> rate is very high in long-term loans (60 months).</a:t>
+              <a:t>Majority of the loans are short-term (36 months) but the charged-off rate is very high in long-term loans (60 months).</a:t>
             </a:r>
           </a:p>
         </p:txBody>
@@ -10115,6 +7993,2467 @@
     <p:extLst>
       <p:ext uri="{BB962C8B-B14F-4D97-AF65-F5344CB8AC3E}">
         <p14:creationId xmlns:p14="http://schemas.microsoft.com/office/powerpoint/2010/main" val="1341553113"/>
+      </p:ext>
+    </p:extLst>
+  </p:cSld>
+  <p:clrMapOvr>
+    <a:masterClrMapping/>
+  </p:clrMapOvr>
+</p:sld>
+</file>
+
+<file path=ppt/slides/slide11.xml><?xml version="1.0" encoding="utf-8"?>
+<p:sld xmlns:a="http://schemas.openxmlformats.org/drawingml/2006/main" xmlns:r="http://schemas.openxmlformats.org/officeDocument/2006/relationships" xmlns:p="http://schemas.openxmlformats.org/presentationml/2006/main">
+  <p:cSld>
+    <p:spTree>
+      <p:nvGrpSpPr>
+        <p:cNvPr id="1" name=""/>
+        <p:cNvGrpSpPr/>
+        <p:nvPr/>
+      </p:nvGrpSpPr>
+      <p:grpSpPr>
+        <a:xfrm>
+          <a:off x="0" y="0"/>
+          <a:ext cx="0" cy="0"/>
+          <a:chOff x="0" y="0"/>
+          <a:chExt cx="0" cy="0"/>
+        </a:xfrm>
+      </p:grpSpPr>
+      <p:sp>
+        <p:nvSpPr>
+          <p:cNvPr id="2" name="Title 1">
+            <a:extLst>
+              <a:ext uri="{FF2B5EF4-FFF2-40B4-BE49-F238E27FC236}">
+                <a16:creationId xmlns:a16="http://schemas.microsoft.com/office/drawing/2014/main" id="{945B9FA7-1570-04AB-430F-ADBB1C346981}"/>
+              </a:ext>
+            </a:extLst>
+          </p:cNvPr>
+          <p:cNvSpPr>
+            <a:spLocks noGrp="1"/>
+          </p:cNvSpPr>
+          <p:nvPr>
+            <p:ph type="title"/>
+          </p:nvPr>
+        </p:nvSpPr>
+        <p:spPr>
+          <a:xfrm>
+            <a:off x="3287110" y="260021"/>
+            <a:ext cx="5173717" cy="622847"/>
+          </a:xfrm>
+        </p:spPr>
+        <p:txBody>
+          <a:bodyPr>
+            <a:normAutofit/>
+          </a:bodyPr>
+          <a:lstStyle/>
+          <a:p>
+            <a:r>
+              <a:rPr lang="en-US" sz="3000" b="1" dirty="0">
+                <a:latin typeface="Calibri" panose="020F0502020204030204" pitchFamily="34" charset="0"/>
+                <a:cs typeface="Calibri" panose="020F0502020204030204" pitchFamily="34" charset="0"/>
+              </a:rPr>
+              <a:t>Analysis – Public Bankruptcies</a:t>
+            </a:r>
+          </a:p>
+        </p:txBody>
+      </p:sp>
+      <p:sp>
+        <p:nvSpPr>
+          <p:cNvPr id="3" name="Content Placeholder 2">
+            <a:extLst>
+              <a:ext uri="{FF2B5EF4-FFF2-40B4-BE49-F238E27FC236}">
+                <a16:creationId xmlns:a16="http://schemas.microsoft.com/office/drawing/2014/main" id="{F4AFB9F7-A312-A653-3766-888FEB034473}"/>
+              </a:ext>
+            </a:extLst>
+          </p:cNvPr>
+          <p:cNvSpPr>
+            <a:spLocks noGrp="1"/>
+          </p:cNvSpPr>
+          <p:nvPr>
+            <p:ph idx="1"/>
+          </p:nvPr>
+        </p:nvSpPr>
+        <p:spPr>
+          <a:xfrm>
+            <a:off x="762000" y="5029884"/>
+            <a:ext cx="10515600" cy="1722329"/>
+          </a:xfrm>
+        </p:spPr>
+        <p:txBody>
+          <a:bodyPr>
+            <a:normAutofit/>
+          </a:bodyPr>
+          <a:lstStyle/>
+          <a:p>
+            <a:pPr marL="0" indent="0">
+              <a:buNone/>
+            </a:pPr>
+            <a:r>
+              <a:rPr lang="en-US" sz="2400" dirty="0"/>
+              <a:t>Majority of the clients have 0 Bankruptcies (~96%) but clients with Bankruptcies have a high chance of default/ Charged-off loan.</a:t>
+            </a:r>
+          </a:p>
+        </p:txBody>
+      </p:sp>
+      <p:pic>
+        <p:nvPicPr>
+          <p:cNvPr id="4" name="Picture 3">
+            <a:extLst>
+              <a:ext uri="{FF2B5EF4-FFF2-40B4-BE49-F238E27FC236}">
+                <a16:creationId xmlns:a16="http://schemas.microsoft.com/office/drawing/2014/main" id="{00A04AA4-EF15-3856-039C-3C2F442B4083}"/>
+              </a:ext>
+            </a:extLst>
+          </p:cNvPr>
+          <p:cNvPicPr>
+            <a:picLocks noChangeAspect="1"/>
+          </p:cNvPicPr>
+          <p:nvPr/>
+        </p:nvPicPr>
+        <p:blipFill>
+          <a:blip r:embed="rId2"/>
+          <a:stretch>
+            <a:fillRect/>
+          </a:stretch>
+        </p:blipFill>
+        <p:spPr>
+          <a:xfrm>
+            <a:off x="1030011" y="1254576"/>
+            <a:ext cx="5181600" cy="3403600"/>
+          </a:xfrm>
+          <a:prstGeom prst="rect">
+            <a:avLst/>
+          </a:prstGeom>
+        </p:spPr>
+      </p:pic>
+      <p:pic>
+        <p:nvPicPr>
+          <p:cNvPr id="6" name="Picture 5">
+            <a:extLst>
+              <a:ext uri="{FF2B5EF4-FFF2-40B4-BE49-F238E27FC236}">
+                <a16:creationId xmlns:a16="http://schemas.microsoft.com/office/drawing/2014/main" id="{319EEC50-9CF6-24C6-1B61-B30FCFBF6F7F}"/>
+              </a:ext>
+            </a:extLst>
+          </p:cNvPr>
+          <p:cNvPicPr>
+            <a:picLocks noChangeAspect="1"/>
+          </p:cNvPicPr>
+          <p:nvPr/>
+        </p:nvPicPr>
+        <p:blipFill>
+          <a:blip r:embed="rId3"/>
+          <a:stretch>
+            <a:fillRect/>
+          </a:stretch>
+        </p:blipFill>
+        <p:spPr>
+          <a:xfrm>
+            <a:off x="7442200" y="1254576"/>
+            <a:ext cx="3835400" cy="3251200"/>
+          </a:xfrm>
+          <a:prstGeom prst="rect">
+            <a:avLst/>
+          </a:prstGeom>
+        </p:spPr>
+      </p:pic>
+    </p:spTree>
+    <p:extLst>
+      <p:ext uri="{BB962C8B-B14F-4D97-AF65-F5344CB8AC3E}">
+        <p14:creationId xmlns:p14="http://schemas.microsoft.com/office/powerpoint/2010/main" val="3162533379"/>
+      </p:ext>
+    </p:extLst>
+  </p:cSld>
+  <p:clrMapOvr>
+    <a:masterClrMapping/>
+  </p:clrMapOvr>
+</p:sld>
+</file>
+
+<file path=ppt/slides/slide12.xml><?xml version="1.0" encoding="utf-8"?>
+<p:sld xmlns:a="http://schemas.openxmlformats.org/drawingml/2006/main" xmlns:r="http://schemas.openxmlformats.org/officeDocument/2006/relationships" xmlns:p="http://schemas.openxmlformats.org/presentationml/2006/main">
+  <p:cSld>
+    <p:spTree>
+      <p:nvGrpSpPr>
+        <p:cNvPr id="1" name=""/>
+        <p:cNvGrpSpPr/>
+        <p:nvPr/>
+      </p:nvGrpSpPr>
+      <p:grpSpPr>
+        <a:xfrm>
+          <a:off x="0" y="0"/>
+          <a:ext cx="0" cy="0"/>
+          <a:chOff x="0" y="0"/>
+          <a:chExt cx="0" cy="0"/>
+        </a:xfrm>
+      </p:grpSpPr>
+      <p:sp>
+        <p:nvSpPr>
+          <p:cNvPr id="2" name="Title 1">
+            <a:extLst>
+              <a:ext uri="{FF2B5EF4-FFF2-40B4-BE49-F238E27FC236}">
+                <a16:creationId xmlns:a16="http://schemas.microsoft.com/office/drawing/2014/main" id="{E064F259-2859-632D-09B8-CB8009917DB8}"/>
+              </a:ext>
+            </a:extLst>
+          </p:cNvPr>
+          <p:cNvSpPr>
+            <a:spLocks noGrp="1"/>
+          </p:cNvSpPr>
+          <p:nvPr>
+            <p:ph type="title"/>
+          </p:nvPr>
+        </p:nvSpPr>
+        <p:spPr>
+          <a:xfrm>
+            <a:off x="3163613" y="262760"/>
+            <a:ext cx="5077593" cy="602210"/>
+          </a:xfrm>
+        </p:spPr>
+        <p:txBody>
+          <a:bodyPr>
+            <a:normAutofit/>
+          </a:bodyPr>
+          <a:lstStyle/>
+          <a:p>
+            <a:r>
+              <a:rPr lang="en-US" sz="3000" b="1" dirty="0">
+                <a:latin typeface="Calibri" panose="020F0502020204030204" pitchFamily="34" charset="0"/>
+                <a:cs typeface="Calibri" panose="020F0502020204030204" pitchFamily="34" charset="0"/>
+              </a:rPr>
+              <a:t>Analysis – Home Ownership</a:t>
+            </a:r>
+          </a:p>
+        </p:txBody>
+      </p:sp>
+      <p:sp>
+        <p:nvSpPr>
+          <p:cNvPr id="3" name="Content Placeholder 2">
+            <a:extLst>
+              <a:ext uri="{FF2B5EF4-FFF2-40B4-BE49-F238E27FC236}">
+                <a16:creationId xmlns:a16="http://schemas.microsoft.com/office/drawing/2014/main" id="{8FB9B66D-4EDB-432E-2E50-6FF60C09F91F}"/>
+              </a:ext>
+            </a:extLst>
+          </p:cNvPr>
+          <p:cNvSpPr>
+            <a:spLocks noGrp="1"/>
+          </p:cNvSpPr>
+          <p:nvPr>
+            <p:ph idx="1"/>
+          </p:nvPr>
+        </p:nvSpPr>
+        <p:spPr>
+          <a:xfrm>
+            <a:off x="838200" y="4918840"/>
+            <a:ext cx="10515600" cy="1258121"/>
+          </a:xfrm>
+        </p:spPr>
+        <p:txBody>
+          <a:bodyPr/>
+          <a:lstStyle/>
+          <a:p>
+            <a:pPr marL="0" indent="0">
+              <a:buNone/>
+            </a:pPr>
+            <a:r>
+              <a:rPr lang="en-US" dirty="0">
+                <a:latin typeface="Calibri" panose="020F0502020204030204" pitchFamily="34" charset="0"/>
+                <a:cs typeface="Calibri" panose="020F0502020204030204" pitchFamily="34" charset="0"/>
+              </a:rPr>
+              <a:t>Majority of the clients are lacking own properties and are on Rent, Mortgage. These type of clients have high Charge-off rate.</a:t>
+            </a:r>
+          </a:p>
+        </p:txBody>
+      </p:sp>
+      <p:pic>
+        <p:nvPicPr>
+          <p:cNvPr id="5" name="Picture 4">
+            <a:extLst>
+              <a:ext uri="{FF2B5EF4-FFF2-40B4-BE49-F238E27FC236}">
+                <a16:creationId xmlns:a16="http://schemas.microsoft.com/office/drawing/2014/main" id="{21122016-2C52-EE85-9F03-F1FC1621FB5D}"/>
+              </a:ext>
+            </a:extLst>
+          </p:cNvPr>
+          <p:cNvPicPr>
+            <a:picLocks noChangeAspect="1"/>
+          </p:cNvPicPr>
+          <p:nvPr/>
+        </p:nvPicPr>
+        <p:blipFill>
+          <a:blip r:embed="rId2"/>
+          <a:stretch>
+            <a:fillRect/>
+          </a:stretch>
+        </p:blipFill>
+        <p:spPr>
+          <a:xfrm>
+            <a:off x="3046906" y="1130354"/>
+            <a:ext cx="5194300" cy="3340100"/>
+          </a:xfrm>
+          <a:prstGeom prst="rect">
+            <a:avLst/>
+          </a:prstGeom>
+        </p:spPr>
+      </p:pic>
+    </p:spTree>
+    <p:extLst>
+      <p:ext uri="{BB962C8B-B14F-4D97-AF65-F5344CB8AC3E}">
+        <p14:creationId xmlns:p14="http://schemas.microsoft.com/office/powerpoint/2010/main" val="504909647"/>
+      </p:ext>
+    </p:extLst>
+  </p:cSld>
+  <p:clrMapOvr>
+    <a:masterClrMapping/>
+  </p:clrMapOvr>
+</p:sld>
+</file>
+
+<file path=ppt/slides/slide13.xml><?xml version="1.0" encoding="utf-8"?>
+<p:sld xmlns:a="http://schemas.openxmlformats.org/drawingml/2006/main" xmlns:r="http://schemas.openxmlformats.org/officeDocument/2006/relationships" xmlns:p="http://schemas.openxmlformats.org/presentationml/2006/main">
+  <p:cSld>
+    <p:spTree>
+      <p:nvGrpSpPr>
+        <p:cNvPr id="1" name=""/>
+        <p:cNvGrpSpPr/>
+        <p:nvPr/>
+      </p:nvGrpSpPr>
+      <p:grpSpPr>
+        <a:xfrm>
+          <a:off x="0" y="0"/>
+          <a:ext cx="0" cy="0"/>
+          <a:chOff x="0" y="0"/>
+          <a:chExt cx="0" cy="0"/>
+        </a:xfrm>
+      </p:grpSpPr>
+      <p:sp>
+        <p:nvSpPr>
+          <p:cNvPr id="2" name="Title 1">
+            <a:extLst>
+              <a:ext uri="{FF2B5EF4-FFF2-40B4-BE49-F238E27FC236}">
+                <a16:creationId xmlns:a16="http://schemas.microsoft.com/office/drawing/2014/main" id="{5A161EB8-3074-8A0A-8AE4-9567DCD39818}"/>
+              </a:ext>
+            </a:extLst>
+          </p:cNvPr>
+          <p:cNvSpPr>
+            <a:spLocks noGrp="1"/>
+          </p:cNvSpPr>
+          <p:nvPr>
+            <p:ph type="title"/>
+          </p:nvPr>
+        </p:nvSpPr>
+        <p:spPr>
+          <a:xfrm>
+            <a:off x="4279680" y="395890"/>
+            <a:ext cx="3632639" cy="570296"/>
+          </a:xfrm>
+        </p:spPr>
+        <p:txBody>
+          <a:bodyPr>
+            <a:normAutofit/>
+          </a:bodyPr>
+          <a:lstStyle/>
+          <a:p>
+            <a:r>
+              <a:rPr lang="en-US" sz="3000" b="1" dirty="0">
+                <a:latin typeface="Calibri" panose="020F0502020204030204" pitchFamily="34" charset="0"/>
+                <a:cs typeface="Calibri" panose="020F0502020204030204" pitchFamily="34" charset="0"/>
+              </a:rPr>
+              <a:t>Analysis - Location</a:t>
+            </a:r>
+          </a:p>
+        </p:txBody>
+      </p:sp>
+      <p:sp>
+        <p:nvSpPr>
+          <p:cNvPr id="3" name="Content Placeholder 2">
+            <a:extLst>
+              <a:ext uri="{FF2B5EF4-FFF2-40B4-BE49-F238E27FC236}">
+                <a16:creationId xmlns:a16="http://schemas.microsoft.com/office/drawing/2014/main" id="{3EFC04EB-A6E3-38F6-87D9-D65E6A5286E8}"/>
+              </a:ext>
+            </a:extLst>
+          </p:cNvPr>
+          <p:cNvSpPr>
+            <a:spLocks noGrp="1"/>
+          </p:cNvSpPr>
+          <p:nvPr>
+            <p:ph idx="1"/>
+          </p:nvPr>
+        </p:nvSpPr>
+        <p:spPr>
+          <a:xfrm>
+            <a:off x="838200" y="4635062"/>
+            <a:ext cx="10515600" cy="1541900"/>
+          </a:xfrm>
+        </p:spPr>
+        <p:txBody>
+          <a:bodyPr/>
+          <a:lstStyle/>
+          <a:p>
+            <a:pPr marL="0" indent="0">
+              <a:buNone/>
+            </a:pPr>
+            <a:r>
+              <a:rPr lang="en-US" dirty="0"/>
+              <a:t>Most of the loans are form CA. Charge-Off Rate from CA is also one of highest compared to other states. </a:t>
+            </a:r>
+          </a:p>
+        </p:txBody>
+      </p:sp>
+      <p:pic>
+        <p:nvPicPr>
+          <p:cNvPr id="4" name="Picture 3">
+            <a:extLst>
+              <a:ext uri="{FF2B5EF4-FFF2-40B4-BE49-F238E27FC236}">
+                <a16:creationId xmlns:a16="http://schemas.microsoft.com/office/drawing/2014/main" id="{ADC2548F-98EC-86E5-C480-5D2D0D5317A4}"/>
+              </a:ext>
+            </a:extLst>
+          </p:cNvPr>
+          <p:cNvPicPr>
+            <a:picLocks noChangeAspect="1"/>
+          </p:cNvPicPr>
+          <p:nvPr/>
+        </p:nvPicPr>
+        <p:blipFill>
+          <a:blip r:embed="rId2"/>
+          <a:stretch>
+            <a:fillRect/>
+          </a:stretch>
+        </p:blipFill>
+        <p:spPr>
+          <a:xfrm>
+            <a:off x="1358461" y="1374497"/>
+            <a:ext cx="9729952" cy="2852253"/>
+          </a:xfrm>
+          <a:prstGeom prst="rect">
+            <a:avLst/>
+          </a:prstGeom>
+        </p:spPr>
+      </p:pic>
+    </p:spTree>
+    <p:extLst>
+      <p:ext uri="{BB962C8B-B14F-4D97-AF65-F5344CB8AC3E}">
+        <p14:creationId xmlns:p14="http://schemas.microsoft.com/office/powerpoint/2010/main" val="199745870"/>
+      </p:ext>
+    </p:extLst>
+  </p:cSld>
+  <p:clrMapOvr>
+    <a:masterClrMapping/>
+  </p:clrMapOvr>
+</p:sld>
+</file>
+
+<file path=ppt/slides/slide14.xml><?xml version="1.0" encoding="utf-8"?>
+<p:sld xmlns:a="http://schemas.openxmlformats.org/drawingml/2006/main" xmlns:r="http://schemas.openxmlformats.org/officeDocument/2006/relationships" xmlns:p="http://schemas.openxmlformats.org/presentationml/2006/main">
+  <p:cSld>
+    <p:spTree>
+      <p:nvGrpSpPr>
+        <p:cNvPr id="1" name=""/>
+        <p:cNvGrpSpPr/>
+        <p:nvPr/>
+      </p:nvGrpSpPr>
+      <p:grpSpPr>
+        <a:xfrm>
+          <a:off x="0" y="0"/>
+          <a:ext cx="0" cy="0"/>
+          <a:chOff x="0" y="0"/>
+          <a:chExt cx="0" cy="0"/>
+        </a:xfrm>
+      </p:grpSpPr>
+      <p:sp>
+        <p:nvSpPr>
+          <p:cNvPr id="2" name="TextBox 1">
+            <a:extLst>
+              <a:ext uri="{FF2B5EF4-FFF2-40B4-BE49-F238E27FC236}">
+                <a16:creationId xmlns:a16="http://schemas.microsoft.com/office/drawing/2014/main" id="{0D8DCCCE-AE43-4136-AF47-9261D859C8D0}"/>
+              </a:ext>
+            </a:extLst>
+          </p:cNvPr>
+          <p:cNvSpPr txBox="1"/>
+          <p:nvPr/>
+        </p:nvSpPr>
+        <p:spPr>
+          <a:xfrm>
+            <a:off x="1334814" y="321862"/>
+            <a:ext cx="8355724" cy="553998"/>
+          </a:xfrm>
+          <a:prstGeom prst="rect">
+            <a:avLst/>
+          </a:prstGeom>
+          <a:noFill/>
+        </p:spPr>
+        <p:txBody>
+          <a:bodyPr wrap="square" rtlCol="0">
+            <a:spAutoFit/>
+          </a:bodyPr>
+          <a:lstStyle/>
+          <a:p>
+            <a:pPr algn="ctr"/>
+            <a:r>
+              <a:rPr lang="en-IN" sz="3000" b="1" dirty="0">
+                <a:latin typeface="Calibri" panose="020F0502020204030204" pitchFamily="34" charset="0"/>
+                <a:cs typeface="Calibri" panose="020F0502020204030204" pitchFamily="34" charset="0"/>
+              </a:rPr>
+              <a:t>Observation &amp; Conclusion</a:t>
+            </a:r>
+            <a:endParaRPr lang="en-US" sz="3000" b="1" dirty="0">
+              <a:latin typeface="Calibri" panose="020F0502020204030204" pitchFamily="34" charset="0"/>
+              <a:cs typeface="Calibri" panose="020F0502020204030204" pitchFamily="34" charset="0"/>
+            </a:endParaRPr>
+          </a:p>
+        </p:txBody>
+      </p:sp>
+      <p:sp>
+        <p:nvSpPr>
+          <p:cNvPr id="3" name="TextBox 2">
+            <a:extLst>
+              <a:ext uri="{FF2B5EF4-FFF2-40B4-BE49-F238E27FC236}">
+                <a16:creationId xmlns:a16="http://schemas.microsoft.com/office/drawing/2014/main" id="{32EDF693-CE65-4793-8354-9D9DCD9B716D}"/>
+              </a:ext>
+            </a:extLst>
+          </p:cNvPr>
+          <p:cNvSpPr txBox="1"/>
+          <p:nvPr/>
+        </p:nvSpPr>
+        <p:spPr>
+          <a:xfrm>
+            <a:off x="1081241" y="1008758"/>
+            <a:ext cx="10869021" cy="5262979"/>
+          </a:xfrm>
+          <a:prstGeom prst="rect">
+            <a:avLst/>
+          </a:prstGeom>
+          <a:noFill/>
+        </p:spPr>
+        <p:txBody>
+          <a:bodyPr wrap="square" rtlCol="0">
+            <a:spAutoFit/>
+          </a:bodyPr>
+          <a:lstStyle/>
+          <a:p>
+            <a:pPr marL="342900" indent="-342900" algn="l">
+              <a:buAutoNum type="arabicPeriod"/>
+            </a:pPr>
+            <a:r>
+              <a:rPr lang="en-IN" sz="2400" dirty="0">
+                <a:latin typeface="Calibri" panose="020F0502020204030204" pitchFamily="34" charset="0"/>
+                <a:cs typeface="Calibri" panose="020F0502020204030204" pitchFamily="34" charset="0"/>
+              </a:rPr>
+              <a:t>Lending club Should consider/ focus more on DTI during the loan process. As Charge-off loan% is increasing with the increase in DTI ratio.</a:t>
+            </a:r>
+          </a:p>
+          <a:p>
+            <a:pPr marL="342900" indent="-342900" algn="l">
+              <a:buAutoNum type="arabicPeriod"/>
+            </a:pPr>
+            <a:r>
+              <a:rPr lang="en-IN" sz="2400" dirty="0">
+                <a:latin typeface="Calibri" panose="020F0502020204030204" pitchFamily="34" charset="0"/>
+                <a:cs typeface="Calibri" panose="020F0502020204030204" pitchFamily="34" charset="0"/>
+              </a:rPr>
+              <a:t>Majority of the loans which are defaulted are from grades B, C ,D. So loans under these categories need more focus.</a:t>
+            </a:r>
+          </a:p>
+          <a:p>
+            <a:pPr marL="342900" indent="-342900" algn="l">
+              <a:buAutoNum type="arabicPeriod"/>
+            </a:pPr>
+            <a:r>
+              <a:rPr lang="en-US" sz="2400" dirty="0">
+                <a:latin typeface="Calibri" panose="020F0502020204030204" pitchFamily="34" charset="0"/>
+                <a:cs typeface="Calibri" panose="020F0502020204030204" pitchFamily="34" charset="0"/>
+              </a:rPr>
+              <a:t>Loans for Small business/ Renewable Energy have high charge-off rate. So </a:t>
+            </a:r>
+            <a:r>
+              <a:rPr lang="en-IN" sz="2400" dirty="0">
+                <a:latin typeface="Calibri" panose="020F0502020204030204" pitchFamily="34" charset="0"/>
+                <a:cs typeface="Calibri" panose="020F0502020204030204" pitchFamily="34" charset="0"/>
+              </a:rPr>
+              <a:t>loans for these purposes need more focus.</a:t>
+            </a:r>
+          </a:p>
+          <a:p>
+            <a:pPr marL="342900" indent="-342900" algn="l">
+              <a:buAutoNum type="arabicPeriod"/>
+            </a:pPr>
+            <a:r>
+              <a:rPr lang="en-IN" sz="2400" dirty="0">
+                <a:latin typeface="Calibri" panose="020F0502020204030204" pitchFamily="34" charset="0"/>
+                <a:cs typeface="Calibri" panose="020F0502020204030204" pitchFamily="34" charset="0"/>
+              </a:rPr>
+              <a:t>Loans having higher interest rates have more defaulters. Hence, check the background of applicant thoroughly , if the interest rate is high.</a:t>
+            </a:r>
+          </a:p>
+          <a:p>
+            <a:pPr marL="342900" indent="-342900" algn="l">
+              <a:buAutoNum type="arabicPeriod"/>
+            </a:pPr>
+            <a:r>
+              <a:rPr lang="en-IN" sz="2400" dirty="0">
+                <a:latin typeface="Calibri" panose="020F0502020204030204" pitchFamily="34" charset="0"/>
+                <a:cs typeface="Calibri" panose="020F0502020204030204" pitchFamily="34" charset="0"/>
+              </a:rPr>
+              <a:t>Cities like CA, NY which high number of loans as well as high charged-off/ defaulted loans.</a:t>
+            </a:r>
+          </a:p>
+          <a:p>
+            <a:pPr marL="342900" indent="-342900" algn="l">
+              <a:buAutoNum type="arabicPeriod"/>
+            </a:pPr>
+            <a:r>
+              <a:rPr lang="en-US" sz="2400" dirty="0">
+                <a:latin typeface="Calibri" panose="020F0502020204030204" pitchFamily="34" charset="0"/>
+                <a:cs typeface="Calibri" panose="020F0502020204030204" pitchFamily="34" charset="0"/>
+              </a:rPr>
+              <a:t>The charged-off rate is very high in long-term loans (60 months), almost double to short-term loans. So Long term loans have high risk.</a:t>
+            </a:r>
+          </a:p>
+          <a:p>
+            <a:pPr marL="342900" indent="-342900" algn="l">
+              <a:buAutoNum type="arabicPeriod"/>
+            </a:pPr>
+            <a:r>
+              <a:rPr lang="en-US" sz="2400" dirty="0"/>
+              <a:t>Clients with Bankruptcies have a high chance of default/ Charged-off loan.</a:t>
+            </a:r>
+            <a:endParaRPr lang="en-US" sz="2400" dirty="0">
+              <a:latin typeface="Calibri" panose="020F0502020204030204" pitchFamily="34" charset="0"/>
+              <a:cs typeface="Calibri" panose="020F0502020204030204" pitchFamily="34" charset="0"/>
+            </a:endParaRPr>
+          </a:p>
+          <a:p>
+            <a:pPr marL="342900" indent="-342900" algn="l">
+              <a:buAutoNum type="arabicPeriod"/>
+            </a:pPr>
+            <a:endParaRPr lang="en-US" sz="2400" dirty="0">
+              <a:latin typeface="Calibri" panose="020F0502020204030204" pitchFamily="34" charset="0"/>
+              <a:cs typeface="Calibri" panose="020F0502020204030204" pitchFamily="34" charset="0"/>
+            </a:endParaRPr>
+          </a:p>
+        </p:txBody>
+      </p:sp>
+    </p:spTree>
+    <p:extLst>
+      <p:ext uri="{BB962C8B-B14F-4D97-AF65-F5344CB8AC3E}">
+        <p14:creationId xmlns:p14="http://schemas.microsoft.com/office/powerpoint/2010/main" val="2270953006"/>
+      </p:ext>
+    </p:extLst>
+  </p:cSld>
+  <p:clrMapOvr>
+    <a:masterClrMapping/>
+  </p:clrMapOvr>
+</p:sld>
+</file>
+
+<file path=ppt/slides/slide2.xml><?xml version="1.0" encoding="utf-8"?>
+<p:sld xmlns:a="http://schemas.openxmlformats.org/drawingml/2006/main" xmlns:r="http://schemas.openxmlformats.org/officeDocument/2006/relationships" xmlns:p="http://schemas.openxmlformats.org/presentationml/2006/main">
+  <p:cSld>
+    <p:spTree>
+      <p:nvGrpSpPr>
+        <p:cNvPr id="1" name=""/>
+        <p:cNvGrpSpPr/>
+        <p:nvPr/>
+      </p:nvGrpSpPr>
+      <p:grpSpPr>
+        <a:xfrm>
+          <a:off x="0" y="0"/>
+          <a:ext cx="0" cy="0"/>
+          <a:chOff x="0" y="0"/>
+          <a:chExt cx="0" cy="0"/>
+        </a:xfrm>
+      </p:grpSpPr>
+      <p:sp>
+        <p:nvSpPr>
+          <p:cNvPr id="6" name="TextBox 5">
+            <a:extLst>
+              <a:ext uri="{FF2B5EF4-FFF2-40B4-BE49-F238E27FC236}">
+                <a16:creationId xmlns:a16="http://schemas.microsoft.com/office/drawing/2014/main" id="{30B54C54-8504-4497-90F0-5A986DD9732D}"/>
+              </a:ext>
+            </a:extLst>
+          </p:cNvPr>
+          <p:cNvSpPr txBox="1"/>
+          <p:nvPr/>
+        </p:nvSpPr>
+        <p:spPr>
+          <a:xfrm>
+            <a:off x="3118460" y="1198473"/>
+            <a:ext cx="5180034" cy="646331"/>
+          </a:xfrm>
+          <a:prstGeom prst="rect">
+            <a:avLst/>
+          </a:prstGeom>
+          <a:noFill/>
+        </p:spPr>
+        <p:txBody>
+          <a:bodyPr wrap="square" rtlCol="0">
+            <a:spAutoFit/>
+          </a:bodyPr>
+          <a:lstStyle/>
+          <a:p>
+            <a:pPr algn="ctr"/>
+            <a:r>
+              <a:rPr lang="en-IN" sz="3600" dirty="0">
+                <a:latin typeface="Calibri" panose="020F0502020204030204" pitchFamily="34" charset="0"/>
+                <a:cs typeface="Calibri" panose="020F0502020204030204" pitchFamily="34" charset="0"/>
+              </a:rPr>
+              <a:t>PROBLEM STATEMENT</a:t>
+            </a:r>
+            <a:endParaRPr lang="en-US" sz="3600" dirty="0">
+              <a:latin typeface="Calibri" panose="020F0502020204030204" pitchFamily="34" charset="0"/>
+              <a:cs typeface="Calibri" panose="020F0502020204030204" pitchFamily="34" charset="0"/>
+            </a:endParaRPr>
+          </a:p>
+        </p:txBody>
+      </p:sp>
+      <p:sp>
+        <p:nvSpPr>
+          <p:cNvPr id="8" name="Scroll: Vertical 7">
+            <a:extLst>
+              <a:ext uri="{FF2B5EF4-FFF2-40B4-BE49-F238E27FC236}">
+                <a16:creationId xmlns:a16="http://schemas.microsoft.com/office/drawing/2014/main" id="{19E30A80-30EB-442D-8C99-E641B5C54E74}"/>
+              </a:ext>
+            </a:extLst>
+          </p:cNvPr>
+          <p:cNvSpPr/>
+          <p:nvPr/>
+        </p:nvSpPr>
+        <p:spPr>
+          <a:xfrm>
+            <a:off x="608305" y="2458231"/>
+            <a:ext cx="3540942" cy="3883069"/>
+          </a:xfrm>
+          <a:prstGeom prst="verticalScroll">
+            <a:avLst/>
+          </a:prstGeom>
+        </p:spPr>
+        <p:style>
+          <a:lnRef idx="2">
+            <a:schemeClr val="accent1"/>
+          </a:lnRef>
+          <a:fillRef idx="1">
+            <a:schemeClr val="lt1"/>
+          </a:fillRef>
+          <a:effectRef idx="0">
+            <a:schemeClr val="accent1"/>
+          </a:effectRef>
+          <a:fontRef idx="minor">
+            <a:schemeClr val="dk1"/>
+          </a:fontRef>
+        </p:style>
+        <p:txBody>
+          <a:bodyPr rtlCol="0" anchor="ctr"/>
+          <a:lstStyle/>
+          <a:p>
+            <a:pPr algn="ctr"/>
+            <a:endParaRPr lang="en-US">
+              <a:latin typeface="Calibri" panose="020F0502020204030204" pitchFamily="34" charset="0"/>
+              <a:cs typeface="Calibri" panose="020F0502020204030204" pitchFamily="34" charset="0"/>
+            </a:endParaRPr>
+          </a:p>
+        </p:txBody>
+      </p:sp>
+      <p:sp>
+        <p:nvSpPr>
+          <p:cNvPr id="10" name="Scroll: Vertical 9">
+            <a:extLst>
+              <a:ext uri="{FF2B5EF4-FFF2-40B4-BE49-F238E27FC236}">
+                <a16:creationId xmlns:a16="http://schemas.microsoft.com/office/drawing/2014/main" id="{AED56A58-8F31-44FE-A6AA-697E9A3F7F8A}"/>
+              </a:ext>
+            </a:extLst>
+          </p:cNvPr>
+          <p:cNvSpPr/>
+          <p:nvPr/>
+        </p:nvSpPr>
+        <p:spPr>
+          <a:xfrm>
+            <a:off x="4429328" y="2458230"/>
+            <a:ext cx="3540942" cy="3883069"/>
+          </a:xfrm>
+          <a:prstGeom prst="verticalScroll">
+            <a:avLst/>
+          </a:prstGeom>
+        </p:spPr>
+        <p:style>
+          <a:lnRef idx="2">
+            <a:schemeClr val="accent1"/>
+          </a:lnRef>
+          <a:fillRef idx="1">
+            <a:schemeClr val="lt1"/>
+          </a:fillRef>
+          <a:effectRef idx="0">
+            <a:schemeClr val="accent1"/>
+          </a:effectRef>
+          <a:fontRef idx="minor">
+            <a:schemeClr val="dk1"/>
+          </a:fontRef>
+        </p:style>
+        <p:txBody>
+          <a:bodyPr rtlCol="0" anchor="ctr"/>
+          <a:lstStyle/>
+          <a:p>
+            <a:pPr algn="ctr"/>
+            <a:endParaRPr lang="en-US">
+              <a:latin typeface="Calibri" panose="020F0502020204030204" pitchFamily="34" charset="0"/>
+              <a:cs typeface="Calibri" panose="020F0502020204030204" pitchFamily="34" charset="0"/>
+            </a:endParaRPr>
+          </a:p>
+        </p:txBody>
+      </p:sp>
+      <p:sp>
+        <p:nvSpPr>
+          <p:cNvPr id="12" name="Scroll: Vertical 11">
+            <a:extLst>
+              <a:ext uri="{FF2B5EF4-FFF2-40B4-BE49-F238E27FC236}">
+                <a16:creationId xmlns:a16="http://schemas.microsoft.com/office/drawing/2014/main" id="{D3D12781-7376-41D4-9B29-CCF01C884E2E}"/>
+              </a:ext>
+            </a:extLst>
+          </p:cNvPr>
+          <p:cNvSpPr/>
+          <p:nvPr/>
+        </p:nvSpPr>
+        <p:spPr>
+          <a:xfrm>
+            <a:off x="8250351" y="2458229"/>
+            <a:ext cx="3540942" cy="3883069"/>
+          </a:xfrm>
+          <a:prstGeom prst="verticalScroll">
+            <a:avLst/>
+          </a:prstGeom>
+        </p:spPr>
+        <p:style>
+          <a:lnRef idx="2">
+            <a:schemeClr val="accent1"/>
+          </a:lnRef>
+          <a:fillRef idx="1">
+            <a:schemeClr val="lt1"/>
+          </a:fillRef>
+          <a:effectRef idx="0">
+            <a:schemeClr val="accent1"/>
+          </a:effectRef>
+          <a:fontRef idx="minor">
+            <a:schemeClr val="dk1"/>
+          </a:fontRef>
+        </p:style>
+        <p:txBody>
+          <a:bodyPr rtlCol="0" anchor="ctr"/>
+          <a:lstStyle/>
+          <a:p>
+            <a:pPr algn="ctr"/>
+            <a:endParaRPr lang="en-US">
+              <a:latin typeface="Calibri" panose="020F0502020204030204" pitchFamily="34" charset="0"/>
+              <a:cs typeface="Calibri" panose="020F0502020204030204" pitchFamily="34" charset="0"/>
+            </a:endParaRPr>
+          </a:p>
+        </p:txBody>
+      </p:sp>
+      <p:sp>
+        <p:nvSpPr>
+          <p:cNvPr id="13" name="TextBox 12">
+            <a:extLst>
+              <a:ext uri="{FF2B5EF4-FFF2-40B4-BE49-F238E27FC236}">
+                <a16:creationId xmlns:a16="http://schemas.microsoft.com/office/drawing/2014/main" id="{844EEC66-8D67-4F5B-B2C9-0DB866AA0895}"/>
+              </a:ext>
+            </a:extLst>
+          </p:cNvPr>
+          <p:cNvSpPr txBox="1"/>
+          <p:nvPr/>
+        </p:nvSpPr>
+        <p:spPr>
+          <a:xfrm>
+            <a:off x="1753904" y="2475456"/>
+            <a:ext cx="1573322" cy="461665"/>
+          </a:xfrm>
+          <a:prstGeom prst="rect">
+            <a:avLst/>
+          </a:prstGeom>
+          <a:noFill/>
+        </p:spPr>
+        <p:txBody>
+          <a:bodyPr wrap="square" rtlCol="0">
+            <a:spAutoFit/>
+          </a:bodyPr>
+          <a:lstStyle/>
+          <a:p>
+            <a:pPr algn="ctr"/>
+            <a:r>
+              <a:rPr lang="en-IN" sz="2400" b="1" dirty="0">
+                <a:latin typeface="Calibri" panose="020F0502020204030204" pitchFamily="34" charset="0"/>
+                <a:cs typeface="Calibri" panose="020F0502020204030204" pitchFamily="34" charset="0"/>
+              </a:rPr>
+              <a:t>AIM</a:t>
+            </a:r>
+            <a:endParaRPr lang="en-US" sz="2400" b="1" dirty="0">
+              <a:latin typeface="Calibri" panose="020F0502020204030204" pitchFamily="34" charset="0"/>
+              <a:cs typeface="Calibri" panose="020F0502020204030204" pitchFamily="34" charset="0"/>
+            </a:endParaRPr>
+          </a:p>
+        </p:txBody>
+      </p:sp>
+      <p:sp>
+        <p:nvSpPr>
+          <p:cNvPr id="20" name="TextBox 19">
+            <a:extLst>
+              <a:ext uri="{FF2B5EF4-FFF2-40B4-BE49-F238E27FC236}">
+                <a16:creationId xmlns:a16="http://schemas.microsoft.com/office/drawing/2014/main" id="{60A1102C-455E-4F47-A3B6-304F32C3BD46}"/>
+              </a:ext>
+            </a:extLst>
+          </p:cNvPr>
+          <p:cNvSpPr txBox="1"/>
+          <p:nvPr/>
+        </p:nvSpPr>
+        <p:spPr>
+          <a:xfrm>
+            <a:off x="5172466" y="2517209"/>
+            <a:ext cx="1828800" cy="369332"/>
+          </a:xfrm>
+          <a:prstGeom prst="rect">
+            <a:avLst/>
+          </a:prstGeom>
+          <a:noFill/>
+        </p:spPr>
+        <p:txBody>
+          <a:bodyPr wrap="square" rtlCol="0">
+            <a:spAutoFit/>
+          </a:bodyPr>
+          <a:lstStyle/>
+          <a:p>
+            <a:pPr algn="l"/>
+            <a:endParaRPr lang="en-US" dirty="0">
+              <a:latin typeface="Calibri" panose="020F0502020204030204" pitchFamily="34" charset="0"/>
+              <a:cs typeface="Calibri" panose="020F0502020204030204" pitchFamily="34" charset="0"/>
+            </a:endParaRPr>
+          </a:p>
+        </p:txBody>
+      </p:sp>
+      <p:sp>
+        <p:nvSpPr>
+          <p:cNvPr id="21" name="TextBox 20">
+            <a:extLst>
+              <a:ext uri="{FF2B5EF4-FFF2-40B4-BE49-F238E27FC236}">
+                <a16:creationId xmlns:a16="http://schemas.microsoft.com/office/drawing/2014/main" id="{58C05D96-DAE1-48EC-911A-1FD53385523F}"/>
+              </a:ext>
+            </a:extLst>
+          </p:cNvPr>
+          <p:cNvSpPr txBox="1"/>
+          <p:nvPr/>
+        </p:nvSpPr>
+        <p:spPr>
+          <a:xfrm>
+            <a:off x="5362390" y="2458229"/>
+            <a:ext cx="2422284" cy="461665"/>
+          </a:xfrm>
+          <a:prstGeom prst="rect">
+            <a:avLst/>
+          </a:prstGeom>
+          <a:noFill/>
+        </p:spPr>
+        <p:txBody>
+          <a:bodyPr wrap="square" rtlCol="0">
+            <a:spAutoFit/>
+          </a:bodyPr>
+          <a:lstStyle/>
+          <a:p>
+            <a:pPr algn="ctr"/>
+            <a:r>
+              <a:rPr lang="en-IN" sz="2400" b="1" dirty="0">
+                <a:latin typeface="Calibri" panose="020F0502020204030204" pitchFamily="34" charset="0"/>
+                <a:cs typeface="Calibri" panose="020F0502020204030204" pitchFamily="34" charset="0"/>
+              </a:rPr>
+              <a:t>OBJECTIVE</a:t>
+            </a:r>
+            <a:endParaRPr lang="en-US" sz="2400" b="1" dirty="0">
+              <a:latin typeface="Calibri" panose="020F0502020204030204" pitchFamily="34" charset="0"/>
+              <a:cs typeface="Calibri" panose="020F0502020204030204" pitchFamily="34" charset="0"/>
+            </a:endParaRPr>
+          </a:p>
+        </p:txBody>
+      </p:sp>
+      <p:sp>
+        <p:nvSpPr>
+          <p:cNvPr id="22" name="TextBox 21">
+            <a:extLst>
+              <a:ext uri="{FF2B5EF4-FFF2-40B4-BE49-F238E27FC236}">
+                <a16:creationId xmlns:a16="http://schemas.microsoft.com/office/drawing/2014/main" id="{5D6E3D51-267D-466D-80DD-0C273ED43FD2}"/>
+              </a:ext>
+            </a:extLst>
+          </p:cNvPr>
+          <p:cNvSpPr txBox="1"/>
+          <p:nvPr/>
+        </p:nvSpPr>
+        <p:spPr>
+          <a:xfrm>
+            <a:off x="9299664" y="2441527"/>
+            <a:ext cx="2052047" cy="461665"/>
+          </a:xfrm>
+          <a:prstGeom prst="rect">
+            <a:avLst/>
+          </a:prstGeom>
+          <a:noFill/>
+        </p:spPr>
+        <p:txBody>
+          <a:bodyPr wrap="square" rtlCol="0">
+            <a:spAutoFit/>
+          </a:bodyPr>
+          <a:lstStyle/>
+          <a:p>
+            <a:pPr algn="ctr"/>
+            <a:r>
+              <a:rPr lang="en-IN" sz="2400" b="1" dirty="0">
+                <a:latin typeface="Calibri" panose="020F0502020204030204" pitchFamily="34" charset="0"/>
+                <a:cs typeface="Calibri" panose="020F0502020204030204" pitchFamily="34" charset="0"/>
+              </a:rPr>
+              <a:t>APPROACH</a:t>
+            </a:r>
+            <a:endParaRPr lang="en-US" sz="2400" b="1" dirty="0">
+              <a:latin typeface="Calibri" panose="020F0502020204030204" pitchFamily="34" charset="0"/>
+              <a:cs typeface="Calibri" panose="020F0502020204030204" pitchFamily="34" charset="0"/>
+            </a:endParaRPr>
+          </a:p>
+        </p:txBody>
+      </p:sp>
+      <p:sp>
+        <p:nvSpPr>
+          <p:cNvPr id="23" name="TextBox 22">
+            <a:extLst>
+              <a:ext uri="{FF2B5EF4-FFF2-40B4-BE49-F238E27FC236}">
+                <a16:creationId xmlns:a16="http://schemas.microsoft.com/office/drawing/2014/main" id="{1E72E31F-CADC-44A7-82EF-69C8C28B4500}"/>
+              </a:ext>
+            </a:extLst>
+          </p:cNvPr>
+          <p:cNvSpPr txBox="1"/>
+          <p:nvPr/>
+        </p:nvSpPr>
+        <p:spPr>
+          <a:xfrm>
+            <a:off x="1294454" y="3799598"/>
+            <a:ext cx="2492222" cy="1200329"/>
+          </a:xfrm>
+          <a:prstGeom prst="rect">
+            <a:avLst/>
+          </a:prstGeom>
+          <a:noFill/>
+        </p:spPr>
+        <p:txBody>
+          <a:bodyPr wrap="square" rtlCol="0">
+            <a:spAutoFit/>
+          </a:bodyPr>
+          <a:lstStyle/>
+          <a:p>
+            <a:pPr algn="l"/>
+            <a:r>
+              <a:rPr lang="en-IN" dirty="0">
+                <a:latin typeface="Calibri" panose="020F0502020204030204" pitchFamily="34" charset="0"/>
+                <a:cs typeface="Calibri" panose="020F0502020204030204" pitchFamily="34" charset="0"/>
+              </a:rPr>
+              <a:t>To identify the patterns which indicates if a person is likely to default a loan.</a:t>
+            </a:r>
+            <a:endParaRPr lang="en-US" dirty="0">
+              <a:latin typeface="Calibri" panose="020F0502020204030204" pitchFamily="34" charset="0"/>
+              <a:cs typeface="Calibri" panose="020F0502020204030204" pitchFamily="34" charset="0"/>
+            </a:endParaRPr>
+          </a:p>
+        </p:txBody>
+      </p:sp>
+      <p:sp>
+        <p:nvSpPr>
+          <p:cNvPr id="25" name="TextBox 24">
+            <a:extLst>
+              <a:ext uri="{FF2B5EF4-FFF2-40B4-BE49-F238E27FC236}">
+                <a16:creationId xmlns:a16="http://schemas.microsoft.com/office/drawing/2014/main" id="{DF2C50D4-3068-4090-9750-7A5E2C5D2145}"/>
+              </a:ext>
+            </a:extLst>
+          </p:cNvPr>
+          <p:cNvSpPr txBox="1"/>
+          <p:nvPr/>
+        </p:nvSpPr>
+        <p:spPr>
+          <a:xfrm>
+            <a:off x="4953688" y="3429000"/>
+            <a:ext cx="2492222" cy="2585323"/>
+          </a:xfrm>
+          <a:prstGeom prst="rect">
+            <a:avLst/>
+          </a:prstGeom>
+          <a:noFill/>
+        </p:spPr>
+        <p:txBody>
+          <a:bodyPr wrap="square" rtlCol="0">
+            <a:spAutoFit/>
+          </a:bodyPr>
+          <a:lstStyle/>
+          <a:p>
+            <a:pPr algn="l"/>
+            <a:r>
+              <a:rPr lang="en-IN" dirty="0">
+                <a:latin typeface="Calibri" panose="020F0502020204030204" pitchFamily="34" charset="0"/>
+                <a:cs typeface="Calibri" panose="020F0502020204030204" pitchFamily="34" charset="0"/>
+              </a:rPr>
+              <a:t>Based on historic data, identify strong indicators of loan default. Using these driving variables at the time of loan application will help in understanding the risks involved.</a:t>
+            </a:r>
+            <a:endParaRPr lang="en-US" dirty="0">
+              <a:latin typeface="Calibri" panose="020F0502020204030204" pitchFamily="34" charset="0"/>
+              <a:cs typeface="Calibri" panose="020F0502020204030204" pitchFamily="34" charset="0"/>
+            </a:endParaRPr>
+          </a:p>
+        </p:txBody>
+      </p:sp>
+      <p:sp>
+        <p:nvSpPr>
+          <p:cNvPr id="27" name="TextBox 26">
+            <a:extLst>
+              <a:ext uri="{FF2B5EF4-FFF2-40B4-BE49-F238E27FC236}">
+                <a16:creationId xmlns:a16="http://schemas.microsoft.com/office/drawing/2014/main" id="{C65C9EE9-40EA-4638-988F-B72BFC760A63}"/>
+              </a:ext>
+            </a:extLst>
+          </p:cNvPr>
+          <p:cNvSpPr txBox="1"/>
+          <p:nvPr/>
+        </p:nvSpPr>
+        <p:spPr>
+          <a:xfrm>
+            <a:off x="8774711" y="3439663"/>
+            <a:ext cx="2492222" cy="2585323"/>
+          </a:xfrm>
+          <a:prstGeom prst="rect">
+            <a:avLst/>
+          </a:prstGeom>
+          <a:noFill/>
+        </p:spPr>
+        <p:txBody>
+          <a:bodyPr wrap="square" rtlCol="0">
+            <a:spAutoFit/>
+          </a:bodyPr>
+          <a:lstStyle/>
+          <a:p>
+            <a:pPr algn="l"/>
+            <a:r>
+              <a:rPr lang="en-IN" dirty="0">
+                <a:latin typeface="Calibri" panose="020F0502020204030204" pitchFamily="34" charset="0"/>
+                <a:cs typeface="Calibri" panose="020F0502020204030204" pitchFamily="34" charset="0"/>
+              </a:rPr>
+              <a:t>Utilise EDA to undertake risk analytics in consumer finance by understanding different consumer attributes as well as loan attributes that influence the tendency of loan default.</a:t>
+            </a:r>
+            <a:endParaRPr lang="en-US" dirty="0">
+              <a:latin typeface="Calibri" panose="020F0502020204030204" pitchFamily="34" charset="0"/>
+              <a:cs typeface="Calibri" panose="020F0502020204030204" pitchFamily="34" charset="0"/>
+            </a:endParaRPr>
+          </a:p>
+        </p:txBody>
+      </p:sp>
+    </p:spTree>
+    <p:extLst>
+      <p:ext uri="{BB962C8B-B14F-4D97-AF65-F5344CB8AC3E}">
+        <p14:creationId xmlns:p14="http://schemas.microsoft.com/office/powerpoint/2010/main" val="1401129459"/>
+      </p:ext>
+    </p:extLst>
+  </p:cSld>
+  <p:clrMapOvr>
+    <a:masterClrMapping/>
+  </p:clrMapOvr>
+</p:sld>
+</file>
+
+<file path=ppt/slides/slide3.xml><?xml version="1.0" encoding="utf-8"?>
+<p:sld xmlns:a="http://schemas.openxmlformats.org/drawingml/2006/main" xmlns:r="http://schemas.openxmlformats.org/officeDocument/2006/relationships" xmlns:p="http://schemas.openxmlformats.org/presentationml/2006/main">
+  <p:cSld>
+    <p:spTree>
+      <p:nvGrpSpPr>
+        <p:cNvPr id="1" name=""/>
+        <p:cNvGrpSpPr/>
+        <p:nvPr/>
+      </p:nvGrpSpPr>
+      <p:grpSpPr>
+        <a:xfrm>
+          <a:off x="0" y="0"/>
+          <a:ext cx="0" cy="0"/>
+          <a:chOff x="0" y="0"/>
+          <a:chExt cx="0" cy="0"/>
+        </a:xfrm>
+      </p:grpSpPr>
+      <p:sp>
+        <p:nvSpPr>
+          <p:cNvPr id="6" name="TextBox 5">
+            <a:extLst>
+              <a:ext uri="{FF2B5EF4-FFF2-40B4-BE49-F238E27FC236}">
+                <a16:creationId xmlns:a16="http://schemas.microsoft.com/office/drawing/2014/main" id="{D28DCA61-B5E1-4859-8217-057F880C3E09}"/>
+              </a:ext>
+            </a:extLst>
+          </p:cNvPr>
+          <p:cNvSpPr txBox="1"/>
+          <p:nvPr/>
+        </p:nvSpPr>
+        <p:spPr>
+          <a:xfrm>
+            <a:off x="4846659" y="132498"/>
+            <a:ext cx="6099914" cy="461665"/>
+          </a:xfrm>
+          <a:prstGeom prst="rect">
+            <a:avLst/>
+          </a:prstGeom>
+          <a:noFill/>
+        </p:spPr>
+        <p:txBody>
+          <a:bodyPr wrap="square">
+            <a:spAutoFit/>
+          </a:bodyPr>
+          <a:lstStyle/>
+          <a:p>
+            <a:r>
+              <a:rPr lang="en-IN" sz="2400" b="1" dirty="0">
+                <a:latin typeface="Calibri" panose="020F0502020204030204" pitchFamily="34" charset="0"/>
+                <a:cs typeface="Calibri" panose="020F0502020204030204" pitchFamily="34" charset="0"/>
+              </a:rPr>
+              <a:t>ANALYSIS APPROACH</a:t>
+            </a:r>
+            <a:endParaRPr lang="en-US" sz="2400" b="1" dirty="0">
+              <a:latin typeface="Calibri" panose="020F0502020204030204" pitchFamily="34" charset="0"/>
+              <a:cs typeface="Calibri" panose="020F0502020204030204" pitchFamily="34" charset="0"/>
+            </a:endParaRPr>
+          </a:p>
+        </p:txBody>
+      </p:sp>
+      <p:graphicFrame>
+        <p:nvGraphicFramePr>
+          <p:cNvPr id="3" name="Diagram 2">
+            <a:extLst>
+              <a:ext uri="{FF2B5EF4-FFF2-40B4-BE49-F238E27FC236}">
+                <a16:creationId xmlns:a16="http://schemas.microsoft.com/office/drawing/2014/main" id="{B532858F-55E4-41F3-A467-90579EED3424}"/>
+              </a:ext>
+            </a:extLst>
+          </p:cNvPr>
+          <p:cNvGraphicFramePr/>
+          <p:nvPr>
+            <p:extLst>
+              <p:ext uri="{D42A27DB-BD31-4B8C-83A1-F6EECF244321}">
+                <p14:modId xmlns:p14="http://schemas.microsoft.com/office/powerpoint/2010/main" val="1079910235"/>
+              </p:ext>
+            </p:extLst>
+          </p:nvPr>
+        </p:nvGraphicFramePr>
+        <p:xfrm>
+          <a:off x="2032000" y="874213"/>
+          <a:ext cx="8128000" cy="5865346"/>
+        </p:xfrm>
+        <a:graphic>
+          <a:graphicData uri="http://schemas.openxmlformats.org/drawingml/2006/diagram">
+            <dgm:relIds xmlns:dgm="http://schemas.openxmlformats.org/drawingml/2006/diagram" xmlns:r="http://schemas.openxmlformats.org/officeDocument/2006/relationships" r:dm="rId2" r:lo="rId3" r:qs="rId4" r:cs="rId5"/>
+          </a:graphicData>
+        </a:graphic>
+      </p:graphicFrame>
+    </p:spTree>
+    <p:extLst>
+      <p:ext uri="{BB962C8B-B14F-4D97-AF65-F5344CB8AC3E}">
+        <p14:creationId xmlns:p14="http://schemas.microsoft.com/office/powerpoint/2010/main" val="3948258439"/>
+      </p:ext>
+    </p:extLst>
+  </p:cSld>
+  <p:clrMapOvr>
+    <a:masterClrMapping/>
+  </p:clrMapOvr>
+</p:sld>
+</file>
+
+<file path=ppt/slides/slide4.xml><?xml version="1.0" encoding="utf-8"?>
+<p:sld xmlns:a="http://schemas.openxmlformats.org/drawingml/2006/main" xmlns:r="http://schemas.openxmlformats.org/officeDocument/2006/relationships" xmlns:p="http://schemas.openxmlformats.org/presentationml/2006/main">
+  <p:cSld>
+    <p:spTree>
+      <p:nvGrpSpPr>
+        <p:cNvPr id="1" name=""/>
+        <p:cNvGrpSpPr/>
+        <p:nvPr/>
+      </p:nvGrpSpPr>
+      <p:grpSpPr>
+        <a:xfrm>
+          <a:off x="0" y="0"/>
+          <a:ext cx="0" cy="0"/>
+          <a:chOff x="0" y="0"/>
+          <a:chExt cx="0" cy="0"/>
+        </a:xfrm>
+      </p:grpSpPr>
+      <p:sp>
+        <p:nvSpPr>
+          <p:cNvPr id="22" name="TextBox 21">
+            <a:extLst>
+              <a:ext uri="{FF2B5EF4-FFF2-40B4-BE49-F238E27FC236}">
+                <a16:creationId xmlns:a16="http://schemas.microsoft.com/office/drawing/2014/main" id="{58DEF56E-EF29-40B3-ADE8-613366FAA007}"/>
+              </a:ext>
+            </a:extLst>
+          </p:cNvPr>
+          <p:cNvSpPr txBox="1"/>
+          <p:nvPr/>
+        </p:nvSpPr>
+        <p:spPr>
+          <a:xfrm>
+            <a:off x="2714426" y="5441761"/>
+            <a:ext cx="7090033" cy="1200329"/>
+          </a:xfrm>
+          <a:prstGeom prst="rect">
+            <a:avLst/>
+          </a:prstGeom>
+          <a:noFill/>
+        </p:spPr>
+        <p:txBody>
+          <a:bodyPr wrap="square">
+            <a:spAutoFit/>
+          </a:bodyPr>
+          <a:lstStyle/>
+          <a:p>
+            <a:r>
+              <a:rPr lang="en-IN" b="0" i="0" dirty="0">
+                <a:effectLst/>
+                <a:latin typeface="-apple-system"/>
+              </a:rPr>
+              <a:t>There is no variation between loan amounts in Fully Paid/ Charged Off loans.</a:t>
+            </a:r>
+          </a:p>
+          <a:p>
+            <a:r>
+              <a:rPr lang="en-IN" b="0" i="0" dirty="0">
+                <a:effectLst/>
+                <a:latin typeface="-apple-system"/>
+              </a:rPr>
+              <a:t>The loan amount </a:t>
+            </a:r>
+            <a:r>
+              <a:rPr lang="en-IN" b="0" i="0">
+                <a:effectLst/>
+                <a:latin typeface="-apple-system"/>
+              </a:rPr>
+              <a:t>varies up to </a:t>
+            </a:r>
+            <a:r>
+              <a:rPr lang="en-IN" b="0" i="0" dirty="0">
+                <a:effectLst/>
+                <a:latin typeface="-apple-system"/>
+              </a:rPr>
+              <a:t>~35,000 &amp; have a mean of 10,000 in both loan status.</a:t>
+            </a:r>
+            <a:endParaRPr lang="en-US" dirty="0"/>
+          </a:p>
+        </p:txBody>
+      </p:sp>
+      <p:sp>
+        <p:nvSpPr>
+          <p:cNvPr id="10" name="TextBox 9">
+            <a:extLst>
+              <a:ext uri="{FF2B5EF4-FFF2-40B4-BE49-F238E27FC236}">
+                <a16:creationId xmlns:a16="http://schemas.microsoft.com/office/drawing/2014/main" id="{CFF64F11-0092-44FD-9A17-D4366DE53744}"/>
+              </a:ext>
+            </a:extLst>
+          </p:cNvPr>
+          <p:cNvSpPr txBox="1"/>
+          <p:nvPr/>
+        </p:nvSpPr>
+        <p:spPr>
+          <a:xfrm>
+            <a:off x="5629536" y="5037168"/>
+            <a:ext cx="6099914" cy="646331"/>
+          </a:xfrm>
+          <a:prstGeom prst="rect">
+            <a:avLst/>
+          </a:prstGeom>
+          <a:noFill/>
+        </p:spPr>
+        <p:txBody>
+          <a:bodyPr wrap="square">
+            <a:spAutoFit/>
+          </a:bodyPr>
+          <a:lstStyle/>
+          <a:p>
+            <a:endParaRPr lang="en-US" dirty="0"/>
+          </a:p>
+        </p:txBody>
+      </p:sp>
+      <p:sp>
+        <p:nvSpPr>
+          <p:cNvPr id="2" name="TextBox 1">
+            <a:extLst>
+              <a:ext uri="{FF2B5EF4-FFF2-40B4-BE49-F238E27FC236}">
+                <a16:creationId xmlns:a16="http://schemas.microsoft.com/office/drawing/2014/main" id="{9046D559-A02A-4B6E-A433-8A7277080A8C}"/>
+              </a:ext>
+            </a:extLst>
+          </p:cNvPr>
+          <p:cNvSpPr txBox="1"/>
+          <p:nvPr/>
+        </p:nvSpPr>
+        <p:spPr>
+          <a:xfrm>
+            <a:off x="2714426" y="619401"/>
+            <a:ext cx="7001847" cy="553998"/>
+          </a:xfrm>
+          <a:prstGeom prst="rect">
+            <a:avLst/>
+          </a:prstGeom>
+          <a:noFill/>
+        </p:spPr>
+        <p:txBody>
+          <a:bodyPr wrap="square" rtlCol="0">
+            <a:spAutoFit/>
+          </a:bodyPr>
+          <a:lstStyle/>
+          <a:p>
+            <a:pPr algn="ctr"/>
+            <a:r>
+              <a:rPr lang="en-IN" sz="3000" b="1" dirty="0">
+                <a:latin typeface="Calibri" panose="020F0502020204030204" pitchFamily="34" charset="0"/>
+                <a:cs typeface="Calibri" panose="020F0502020204030204" pitchFamily="34" charset="0"/>
+              </a:rPr>
+              <a:t>ANALYSIS – LOAN AMOUNT DISTRIBUTION</a:t>
+            </a:r>
+            <a:endParaRPr lang="en-US" sz="3000" b="1" dirty="0">
+              <a:latin typeface="Calibri" panose="020F0502020204030204" pitchFamily="34" charset="0"/>
+              <a:cs typeface="Calibri" panose="020F0502020204030204" pitchFamily="34" charset="0"/>
+            </a:endParaRPr>
+          </a:p>
+        </p:txBody>
+      </p:sp>
+      <p:pic>
+        <p:nvPicPr>
+          <p:cNvPr id="6" name="Picture 5">
+            <a:extLst>
+              <a:ext uri="{FF2B5EF4-FFF2-40B4-BE49-F238E27FC236}">
+                <a16:creationId xmlns:a16="http://schemas.microsoft.com/office/drawing/2014/main" id="{07D376C2-D06D-81BF-2B25-0817F3117AE4}"/>
+              </a:ext>
+            </a:extLst>
+          </p:cNvPr>
+          <p:cNvPicPr>
+            <a:picLocks noChangeAspect="1"/>
+          </p:cNvPicPr>
+          <p:nvPr/>
+        </p:nvPicPr>
+        <p:blipFill>
+          <a:blip r:embed="rId2"/>
+          <a:stretch>
+            <a:fillRect/>
+          </a:stretch>
+        </p:blipFill>
+        <p:spPr>
+          <a:xfrm>
+            <a:off x="3124330" y="1435452"/>
+            <a:ext cx="5321300" cy="3429000"/>
+          </a:xfrm>
+          <a:prstGeom prst="rect">
+            <a:avLst/>
+          </a:prstGeom>
+        </p:spPr>
+      </p:pic>
+    </p:spTree>
+    <p:extLst>
+      <p:ext uri="{BB962C8B-B14F-4D97-AF65-F5344CB8AC3E}">
+        <p14:creationId xmlns:p14="http://schemas.microsoft.com/office/powerpoint/2010/main" val="3299212150"/>
+      </p:ext>
+    </p:extLst>
+  </p:cSld>
+  <p:clrMapOvr>
+    <a:masterClrMapping/>
+  </p:clrMapOvr>
+</p:sld>
+</file>
+
+<file path=ppt/slides/slide5.xml><?xml version="1.0" encoding="utf-8"?>
+<p:sld xmlns:a="http://schemas.openxmlformats.org/drawingml/2006/main" xmlns:r="http://schemas.openxmlformats.org/officeDocument/2006/relationships" xmlns:p="http://schemas.openxmlformats.org/presentationml/2006/main">
+  <p:cSld>
+    <p:spTree>
+      <p:nvGrpSpPr>
+        <p:cNvPr id="1" name=""/>
+        <p:cNvGrpSpPr/>
+        <p:nvPr/>
+      </p:nvGrpSpPr>
+      <p:grpSpPr>
+        <a:xfrm>
+          <a:off x="0" y="0"/>
+          <a:ext cx="0" cy="0"/>
+          <a:chOff x="0" y="0"/>
+          <a:chExt cx="0" cy="0"/>
+        </a:xfrm>
+      </p:grpSpPr>
+      <p:pic>
+        <p:nvPicPr>
+          <p:cNvPr id="3" name="Picture 2">
+            <a:extLst>
+              <a:ext uri="{FF2B5EF4-FFF2-40B4-BE49-F238E27FC236}">
+                <a16:creationId xmlns:a16="http://schemas.microsoft.com/office/drawing/2014/main" id="{1E8B6551-59E5-4914-85A3-8D087CAD3613}"/>
+              </a:ext>
+            </a:extLst>
+          </p:cNvPr>
+          <p:cNvPicPr>
+            <a:picLocks noChangeAspect="1"/>
+          </p:cNvPicPr>
+          <p:nvPr/>
+        </p:nvPicPr>
+        <p:blipFill rotWithShape="1">
+          <a:blip r:embed="rId2"/>
+          <a:srcRect l="320" t="9709" r="12256" b="739"/>
+          <a:stretch/>
+        </p:blipFill>
+        <p:spPr>
+          <a:xfrm>
+            <a:off x="940540" y="1782147"/>
+            <a:ext cx="5321300" cy="3528366"/>
+          </a:xfrm>
+          <a:prstGeom prst="rect">
+            <a:avLst/>
+          </a:prstGeom>
+        </p:spPr>
+      </p:pic>
+      <p:sp>
+        <p:nvSpPr>
+          <p:cNvPr id="5" name="TextBox 4">
+            <a:extLst>
+              <a:ext uri="{FF2B5EF4-FFF2-40B4-BE49-F238E27FC236}">
+                <a16:creationId xmlns:a16="http://schemas.microsoft.com/office/drawing/2014/main" id="{BF722BEC-9435-4747-87F3-15D7C3D228F7}"/>
+              </a:ext>
+            </a:extLst>
+          </p:cNvPr>
+          <p:cNvSpPr txBox="1"/>
+          <p:nvPr/>
+        </p:nvSpPr>
+        <p:spPr>
+          <a:xfrm>
+            <a:off x="940540" y="5474918"/>
+            <a:ext cx="4019189" cy="1200329"/>
+          </a:xfrm>
+          <a:prstGeom prst="rect">
+            <a:avLst/>
+          </a:prstGeom>
+          <a:noFill/>
+        </p:spPr>
+        <p:txBody>
+          <a:bodyPr wrap="square">
+            <a:spAutoFit/>
+          </a:bodyPr>
+          <a:lstStyle/>
+          <a:p>
+            <a:r>
+              <a:rPr lang="en-IN" sz="2400" b="0" i="0" dirty="0">
+                <a:effectLst/>
+                <a:latin typeface="Calibri" panose="020F0502020204030204" pitchFamily="34" charset="0"/>
+                <a:cs typeface="Calibri" panose="020F0502020204030204" pitchFamily="34" charset="0"/>
+              </a:rPr>
+              <a:t>Most of the loans are high graded (grade of A and B) loans, about &gt; 50%.</a:t>
+            </a:r>
+            <a:endParaRPr lang="en-US" sz="2400" dirty="0">
+              <a:latin typeface="Calibri" panose="020F0502020204030204" pitchFamily="34" charset="0"/>
+              <a:cs typeface="Calibri" panose="020F0502020204030204" pitchFamily="34" charset="0"/>
+            </a:endParaRPr>
+          </a:p>
+        </p:txBody>
+      </p:sp>
+      <p:sp>
+        <p:nvSpPr>
+          <p:cNvPr id="7" name="TextBox 6">
+            <a:extLst>
+              <a:ext uri="{FF2B5EF4-FFF2-40B4-BE49-F238E27FC236}">
+                <a16:creationId xmlns:a16="http://schemas.microsoft.com/office/drawing/2014/main" id="{D4C8C96E-7485-46D0-9670-EE4B405F26C9}"/>
+              </a:ext>
+            </a:extLst>
+          </p:cNvPr>
+          <p:cNvSpPr txBox="1"/>
+          <p:nvPr/>
+        </p:nvSpPr>
+        <p:spPr>
+          <a:xfrm>
+            <a:off x="2950135" y="688222"/>
+            <a:ext cx="6093390" cy="553998"/>
+          </a:xfrm>
+          <a:prstGeom prst="rect">
+            <a:avLst/>
+          </a:prstGeom>
+          <a:noFill/>
+        </p:spPr>
+        <p:txBody>
+          <a:bodyPr wrap="square">
+            <a:spAutoFit/>
+          </a:bodyPr>
+          <a:lstStyle/>
+          <a:p>
+            <a:pPr algn="ctr"/>
+            <a:r>
+              <a:rPr lang="en-IN" sz="3000" b="1" i="0" dirty="0">
+                <a:effectLst/>
+                <a:latin typeface="Calibri" panose="020F0502020204030204" pitchFamily="34" charset="0"/>
+                <a:cs typeface="Calibri" panose="020F0502020204030204" pitchFamily="34" charset="0"/>
+              </a:rPr>
+              <a:t>ANALYSIS – GRADES </a:t>
+            </a:r>
+            <a:endParaRPr lang="en-US" sz="3000" dirty="0">
+              <a:latin typeface="Calibri" panose="020F0502020204030204" pitchFamily="34" charset="0"/>
+              <a:cs typeface="Calibri" panose="020F0502020204030204" pitchFamily="34" charset="0"/>
+            </a:endParaRPr>
+          </a:p>
+        </p:txBody>
+      </p:sp>
+      <p:sp>
+        <p:nvSpPr>
+          <p:cNvPr id="11" name="TextBox 10">
+            <a:extLst>
+              <a:ext uri="{FF2B5EF4-FFF2-40B4-BE49-F238E27FC236}">
+                <a16:creationId xmlns:a16="http://schemas.microsoft.com/office/drawing/2014/main" id="{D8B0BDAC-9C4E-44B7-8893-60A313EA0BAF}"/>
+              </a:ext>
+            </a:extLst>
+          </p:cNvPr>
+          <p:cNvSpPr txBox="1"/>
+          <p:nvPr/>
+        </p:nvSpPr>
+        <p:spPr>
+          <a:xfrm>
+            <a:off x="5344293" y="4987348"/>
+            <a:ext cx="6093390" cy="369332"/>
+          </a:xfrm>
+          <a:prstGeom prst="rect">
+            <a:avLst/>
+          </a:prstGeom>
+          <a:noFill/>
+        </p:spPr>
+        <p:txBody>
+          <a:bodyPr wrap="square">
+            <a:spAutoFit/>
+          </a:bodyPr>
+          <a:lstStyle/>
+          <a:p>
+            <a:pPr algn="l"/>
+            <a:endParaRPr lang="en-US" dirty="0">
+              <a:latin typeface="Calibri" panose="020F0502020204030204" pitchFamily="34" charset="0"/>
+              <a:cs typeface="Calibri" panose="020F0502020204030204" pitchFamily="34" charset="0"/>
+            </a:endParaRPr>
+          </a:p>
+        </p:txBody>
+      </p:sp>
+      <p:pic>
+        <p:nvPicPr>
+          <p:cNvPr id="2" name="Picture 1">
+            <a:extLst>
+              <a:ext uri="{FF2B5EF4-FFF2-40B4-BE49-F238E27FC236}">
+                <a16:creationId xmlns:a16="http://schemas.microsoft.com/office/drawing/2014/main" id="{9C5C1B64-5DA9-42F2-1FAE-8AD730F20685}"/>
+              </a:ext>
+            </a:extLst>
+          </p:cNvPr>
+          <p:cNvPicPr>
+            <a:picLocks noChangeAspect="1"/>
+          </p:cNvPicPr>
+          <p:nvPr/>
+        </p:nvPicPr>
+        <p:blipFill>
+          <a:blip r:embed="rId3"/>
+          <a:stretch>
+            <a:fillRect/>
+          </a:stretch>
+        </p:blipFill>
+        <p:spPr>
+          <a:xfrm>
+            <a:off x="6577912" y="1776248"/>
+            <a:ext cx="5321300" cy="3523404"/>
+          </a:xfrm>
+          <a:prstGeom prst="rect">
+            <a:avLst/>
+          </a:prstGeom>
+        </p:spPr>
+      </p:pic>
+      <p:sp>
+        <p:nvSpPr>
+          <p:cNvPr id="8" name="TextBox 7">
+            <a:extLst>
+              <a:ext uri="{FF2B5EF4-FFF2-40B4-BE49-F238E27FC236}">
+                <a16:creationId xmlns:a16="http://schemas.microsoft.com/office/drawing/2014/main" id="{8BA81F42-C390-D04B-2A24-C95CA44D9A57}"/>
+              </a:ext>
+            </a:extLst>
+          </p:cNvPr>
+          <p:cNvSpPr txBox="1"/>
+          <p:nvPr/>
+        </p:nvSpPr>
+        <p:spPr>
+          <a:xfrm>
+            <a:off x="6886904" y="5434122"/>
+            <a:ext cx="4364556" cy="830997"/>
+          </a:xfrm>
+          <a:prstGeom prst="rect">
+            <a:avLst/>
+          </a:prstGeom>
+          <a:noFill/>
+        </p:spPr>
+        <p:txBody>
+          <a:bodyPr wrap="square">
+            <a:spAutoFit/>
+          </a:bodyPr>
+          <a:lstStyle/>
+          <a:p>
+            <a:r>
+              <a:rPr lang="en-IN" sz="2400" b="0" i="0" dirty="0">
+                <a:effectLst/>
+                <a:latin typeface="Calibri" panose="020F0502020204030204" pitchFamily="34" charset="0"/>
+                <a:cs typeface="Calibri" panose="020F0502020204030204" pitchFamily="34" charset="0"/>
+              </a:rPr>
+              <a:t>Majority of the Charged Off loans are from B, C, D Grades</a:t>
+            </a:r>
+            <a:endParaRPr lang="en-US" sz="2400" dirty="0">
+              <a:latin typeface="Calibri" panose="020F0502020204030204" pitchFamily="34" charset="0"/>
+              <a:cs typeface="Calibri" panose="020F0502020204030204" pitchFamily="34" charset="0"/>
+            </a:endParaRPr>
+          </a:p>
+        </p:txBody>
+      </p:sp>
+    </p:spTree>
+    <p:extLst>
+      <p:ext uri="{BB962C8B-B14F-4D97-AF65-F5344CB8AC3E}">
+        <p14:creationId xmlns:p14="http://schemas.microsoft.com/office/powerpoint/2010/main" val="2855844462"/>
+      </p:ext>
+    </p:extLst>
+  </p:cSld>
+  <p:clrMapOvr>
+    <a:masterClrMapping/>
+  </p:clrMapOvr>
+</p:sld>
+</file>
+
+<file path=ppt/slides/slide6.xml><?xml version="1.0" encoding="utf-8"?>
+<p:sld xmlns:a="http://schemas.openxmlformats.org/drawingml/2006/main" xmlns:r="http://schemas.openxmlformats.org/officeDocument/2006/relationships" xmlns:p="http://schemas.openxmlformats.org/presentationml/2006/main">
+  <p:cSld>
+    <p:spTree>
+      <p:nvGrpSpPr>
+        <p:cNvPr id="1" name=""/>
+        <p:cNvGrpSpPr/>
+        <p:nvPr/>
+      </p:nvGrpSpPr>
+      <p:grpSpPr>
+        <a:xfrm>
+          <a:off x="0" y="0"/>
+          <a:ext cx="0" cy="0"/>
+          <a:chOff x="0" y="0"/>
+          <a:chExt cx="0" cy="0"/>
+        </a:xfrm>
+      </p:grpSpPr>
+      <p:sp>
+        <p:nvSpPr>
+          <p:cNvPr id="5" name="TextBox 4">
+            <a:extLst>
+              <a:ext uri="{FF2B5EF4-FFF2-40B4-BE49-F238E27FC236}">
+                <a16:creationId xmlns:a16="http://schemas.microsoft.com/office/drawing/2014/main" id="{B02CC8B3-A5FD-474F-AB26-110676784BBC}"/>
+              </a:ext>
+            </a:extLst>
+          </p:cNvPr>
+          <p:cNvSpPr txBox="1"/>
+          <p:nvPr/>
+        </p:nvSpPr>
+        <p:spPr>
+          <a:xfrm>
+            <a:off x="1198861" y="5168495"/>
+            <a:ext cx="9794278" cy="1200329"/>
+          </a:xfrm>
+          <a:prstGeom prst="rect">
+            <a:avLst/>
+          </a:prstGeom>
+          <a:noFill/>
+        </p:spPr>
+        <p:txBody>
+          <a:bodyPr wrap="square">
+            <a:spAutoFit/>
+          </a:bodyPr>
+          <a:lstStyle/>
+          <a:p>
+            <a:pPr algn="l"/>
+            <a:r>
+              <a:rPr lang="en-IN" sz="2400" dirty="0">
+                <a:latin typeface="Calibri" panose="020F0502020204030204" pitchFamily="34" charset="0"/>
+                <a:cs typeface="Calibri" panose="020F0502020204030204" pitchFamily="34" charset="0"/>
+              </a:rPr>
+              <a:t>Change of rate is increasing with the increase in Grade (from A to G).</a:t>
+            </a:r>
+          </a:p>
+          <a:p>
+            <a:r>
+              <a:rPr lang="en-IN" sz="2400" b="0" i="0" dirty="0">
+                <a:effectLst/>
+                <a:latin typeface="Calibri" panose="020F0502020204030204" pitchFamily="34" charset="0"/>
+                <a:cs typeface="Calibri" panose="020F0502020204030204" pitchFamily="34" charset="0"/>
+              </a:rPr>
+              <a:t>Interest Rate is also increasing from Grade A to G, which is in parity with the increase in Charged off rate.</a:t>
+            </a:r>
+            <a:endParaRPr lang="en-US" sz="2400" dirty="0">
+              <a:latin typeface="Calibri" panose="020F0502020204030204" pitchFamily="34" charset="0"/>
+              <a:cs typeface="Calibri" panose="020F0502020204030204" pitchFamily="34" charset="0"/>
+            </a:endParaRPr>
+          </a:p>
+        </p:txBody>
+      </p:sp>
+      <p:sp>
+        <p:nvSpPr>
+          <p:cNvPr id="7" name="TextBox 6">
+            <a:extLst>
+              <a:ext uri="{FF2B5EF4-FFF2-40B4-BE49-F238E27FC236}">
+                <a16:creationId xmlns:a16="http://schemas.microsoft.com/office/drawing/2014/main" id="{3CF11DE4-7609-434B-9EF2-4B9B74980175}"/>
+              </a:ext>
+            </a:extLst>
+          </p:cNvPr>
+          <p:cNvSpPr txBox="1"/>
+          <p:nvPr/>
+        </p:nvSpPr>
+        <p:spPr>
+          <a:xfrm>
+            <a:off x="3725189" y="921417"/>
+            <a:ext cx="6093390" cy="553998"/>
+          </a:xfrm>
+          <a:prstGeom prst="rect">
+            <a:avLst/>
+          </a:prstGeom>
+          <a:noFill/>
+        </p:spPr>
+        <p:txBody>
+          <a:bodyPr wrap="square">
+            <a:spAutoFit/>
+          </a:bodyPr>
+          <a:lstStyle/>
+          <a:p>
+            <a:r>
+              <a:rPr lang="en-IN" sz="3000" b="1" i="0" dirty="0">
+                <a:effectLst/>
+                <a:latin typeface="Calibri" panose="020F0502020204030204" pitchFamily="34" charset="0"/>
+                <a:cs typeface="Calibri" panose="020F0502020204030204" pitchFamily="34" charset="0"/>
+              </a:rPr>
+              <a:t>ANALYSIS – GRADES (continued)</a:t>
+            </a:r>
+            <a:endParaRPr lang="en-US" sz="3000" dirty="0">
+              <a:latin typeface="Calibri" panose="020F0502020204030204" pitchFamily="34" charset="0"/>
+              <a:cs typeface="Calibri" panose="020F0502020204030204" pitchFamily="34" charset="0"/>
+            </a:endParaRPr>
+          </a:p>
+        </p:txBody>
+      </p:sp>
+      <p:pic>
+        <p:nvPicPr>
+          <p:cNvPr id="13" name="Picture 12">
+            <a:extLst>
+              <a:ext uri="{FF2B5EF4-FFF2-40B4-BE49-F238E27FC236}">
+                <a16:creationId xmlns:a16="http://schemas.microsoft.com/office/drawing/2014/main" id="{91B49666-D03F-4054-BCFD-AB9B04BFE684}"/>
+              </a:ext>
+            </a:extLst>
+          </p:cNvPr>
+          <p:cNvPicPr>
+            <a:picLocks noChangeAspect="1"/>
+          </p:cNvPicPr>
+          <p:nvPr/>
+        </p:nvPicPr>
+        <p:blipFill rotWithShape="1">
+          <a:blip r:embed="rId2"/>
+          <a:srcRect t="10412" r="11669"/>
+          <a:stretch/>
+        </p:blipFill>
+        <p:spPr>
+          <a:xfrm>
+            <a:off x="901038" y="1980795"/>
+            <a:ext cx="3894168" cy="2543196"/>
+          </a:xfrm>
+          <a:prstGeom prst="rect">
+            <a:avLst/>
+          </a:prstGeom>
+        </p:spPr>
+      </p:pic>
+      <p:pic>
+        <p:nvPicPr>
+          <p:cNvPr id="2" name="Picture 1">
+            <a:extLst>
+              <a:ext uri="{FF2B5EF4-FFF2-40B4-BE49-F238E27FC236}">
+                <a16:creationId xmlns:a16="http://schemas.microsoft.com/office/drawing/2014/main" id="{69E55068-C4C8-2334-E88C-4696252988BE}"/>
+              </a:ext>
+            </a:extLst>
+          </p:cNvPr>
+          <p:cNvPicPr>
+            <a:picLocks noChangeAspect="1"/>
+          </p:cNvPicPr>
+          <p:nvPr/>
+        </p:nvPicPr>
+        <p:blipFill>
+          <a:blip r:embed="rId3"/>
+          <a:stretch>
+            <a:fillRect/>
+          </a:stretch>
+        </p:blipFill>
+        <p:spPr>
+          <a:xfrm>
+            <a:off x="4910521" y="1475415"/>
+            <a:ext cx="3022600" cy="3187700"/>
+          </a:xfrm>
+          <a:prstGeom prst="rect">
+            <a:avLst/>
+          </a:prstGeom>
+        </p:spPr>
+      </p:pic>
+      <p:pic>
+        <p:nvPicPr>
+          <p:cNvPr id="3" name="Picture 2">
+            <a:extLst>
+              <a:ext uri="{FF2B5EF4-FFF2-40B4-BE49-F238E27FC236}">
+                <a16:creationId xmlns:a16="http://schemas.microsoft.com/office/drawing/2014/main" id="{FC9290ED-39FD-07F9-B7D4-BDEBF88DFFAB}"/>
+              </a:ext>
+            </a:extLst>
+          </p:cNvPr>
+          <p:cNvPicPr>
+            <a:picLocks noChangeAspect="1"/>
+          </p:cNvPicPr>
+          <p:nvPr/>
+        </p:nvPicPr>
+        <p:blipFill rotWithShape="1">
+          <a:blip r:embed="rId4"/>
+          <a:srcRect t="10915" r="9598"/>
+          <a:stretch/>
+        </p:blipFill>
+        <p:spPr>
+          <a:xfrm>
+            <a:off x="8048436" y="1875549"/>
+            <a:ext cx="4010500" cy="2664921"/>
+          </a:xfrm>
+          <a:prstGeom prst="rect">
+            <a:avLst/>
+          </a:prstGeom>
+        </p:spPr>
+      </p:pic>
+    </p:spTree>
+    <p:extLst>
+      <p:ext uri="{BB962C8B-B14F-4D97-AF65-F5344CB8AC3E}">
+        <p14:creationId xmlns:p14="http://schemas.microsoft.com/office/powerpoint/2010/main" val="3158917636"/>
+      </p:ext>
+    </p:extLst>
+  </p:cSld>
+  <p:clrMapOvr>
+    <a:masterClrMapping/>
+  </p:clrMapOvr>
+</p:sld>
+</file>
+
+<file path=ppt/slides/slide7.xml><?xml version="1.0" encoding="utf-8"?>
+<p:sld xmlns:a="http://schemas.openxmlformats.org/drawingml/2006/main" xmlns:r="http://schemas.openxmlformats.org/officeDocument/2006/relationships" xmlns:p="http://schemas.openxmlformats.org/presentationml/2006/main">
+  <p:cSld>
+    <p:spTree>
+      <p:nvGrpSpPr>
+        <p:cNvPr id="1" name=""/>
+        <p:cNvGrpSpPr/>
+        <p:nvPr/>
+      </p:nvGrpSpPr>
+      <p:grpSpPr>
+        <a:xfrm>
+          <a:off x="0" y="0"/>
+          <a:ext cx="0" cy="0"/>
+          <a:chOff x="0" y="0"/>
+          <a:chExt cx="0" cy="0"/>
+        </a:xfrm>
+      </p:grpSpPr>
+      <p:pic>
+        <p:nvPicPr>
+          <p:cNvPr id="9" name="Picture 8">
+            <a:extLst>
+              <a:ext uri="{FF2B5EF4-FFF2-40B4-BE49-F238E27FC236}">
+                <a16:creationId xmlns:a16="http://schemas.microsoft.com/office/drawing/2014/main" id="{9BDE4569-79E1-45C6-8068-11A7F1EB8F8B}"/>
+              </a:ext>
+            </a:extLst>
+          </p:cNvPr>
+          <p:cNvPicPr>
+            <a:picLocks noChangeAspect="1"/>
+          </p:cNvPicPr>
+          <p:nvPr/>
+        </p:nvPicPr>
+        <p:blipFill rotWithShape="1">
+          <a:blip r:embed="rId2"/>
+          <a:srcRect t="3466" r="11973"/>
+          <a:stretch/>
+        </p:blipFill>
+        <p:spPr>
+          <a:xfrm>
+            <a:off x="1247228" y="1233493"/>
+            <a:ext cx="5013434" cy="3788291"/>
+          </a:xfrm>
+          <a:prstGeom prst="rect">
+            <a:avLst/>
+          </a:prstGeom>
+        </p:spPr>
+      </p:pic>
+      <p:sp>
+        <p:nvSpPr>
+          <p:cNvPr id="13" name="TextBox 12">
+            <a:extLst>
+              <a:ext uri="{FF2B5EF4-FFF2-40B4-BE49-F238E27FC236}">
+                <a16:creationId xmlns:a16="http://schemas.microsoft.com/office/drawing/2014/main" id="{DE80B65C-19BB-4AFD-A340-BA2B9619AB65}"/>
+              </a:ext>
+            </a:extLst>
+          </p:cNvPr>
+          <p:cNvSpPr txBox="1"/>
+          <p:nvPr/>
+        </p:nvSpPr>
+        <p:spPr>
+          <a:xfrm>
+            <a:off x="735725" y="5521859"/>
+            <a:ext cx="10079420" cy="830997"/>
+          </a:xfrm>
+          <a:prstGeom prst="rect">
+            <a:avLst/>
+          </a:prstGeom>
+          <a:noFill/>
+        </p:spPr>
+        <p:txBody>
+          <a:bodyPr wrap="square" rtlCol="0">
+            <a:spAutoFit/>
+          </a:bodyPr>
+          <a:lstStyle/>
+          <a:p>
+            <a:pPr algn="l"/>
+            <a:r>
+              <a:rPr lang="en-IN" sz="2400" b="0" i="0" dirty="0">
+                <a:effectLst/>
+                <a:latin typeface="-apple-system"/>
+              </a:rPr>
+              <a:t>Most of the loans are taken by employees with more than 10 years exp (~25%).</a:t>
+            </a:r>
+          </a:p>
+          <a:p>
+            <a:pPr algn="l"/>
+            <a:r>
+              <a:rPr lang="en-IN" sz="2400" dirty="0">
+                <a:latin typeface="-apple-system"/>
+              </a:rPr>
+              <a:t>But Charge-off rate across all the categories is same. </a:t>
+            </a:r>
+            <a:endParaRPr lang="en-US" sz="2400" dirty="0"/>
+          </a:p>
+        </p:txBody>
+      </p:sp>
+      <p:sp>
+        <p:nvSpPr>
+          <p:cNvPr id="2" name="TextBox 1">
+            <a:extLst>
+              <a:ext uri="{FF2B5EF4-FFF2-40B4-BE49-F238E27FC236}">
+                <a16:creationId xmlns:a16="http://schemas.microsoft.com/office/drawing/2014/main" id="{F8137A36-CF66-40F3-A496-27D934C33450}"/>
+              </a:ext>
+            </a:extLst>
+          </p:cNvPr>
+          <p:cNvSpPr txBox="1"/>
+          <p:nvPr/>
+        </p:nvSpPr>
+        <p:spPr>
+          <a:xfrm>
+            <a:off x="2438400" y="367906"/>
+            <a:ext cx="8376745" cy="553998"/>
+          </a:xfrm>
+          <a:prstGeom prst="rect">
+            <a:avLst/>
+          </a:prstGeom>
+          <a:noFill/>
+        </p:spPr>
+        <p:txBody>
+          <a:bodyPr wrap="square">
+            <a:spAutoFit/>
+          </a:bodyPr>
+          <a:lstStyle/>
+          <a:p>
+            <a:r>
+              <a:rPr lang="en-IN" sz="3000" b="1" i="0" dirty="0">
+                <a:effectLst/>
+                <a:latin typeface="Calibri" panose="020F0502020204030204" pitchFamily="34" charset="0"/>
+                <a:cs typeface="Calibri" panose="020F0502020204030204" pitchFamily="34" charset="0"/>
+              </a:rPr>
+              <a:t>Analysis – </a:t>
+            </a:r>
+            <a:r>
+              <a:rPr lang="en-IN" sz="3000" b="1" dirty="0">
+                <a:latin typeface="Calibri" panose="020F0502020204030204" pitchFamily="34" charset="0"/>
+                <a:cs typeface="Calibri" panose="020F0502020204030204" pitchFamily="34" charset="0"/>
+              </a:rPr>
+              <a:t>Employee Experience</a:t>
+            </a:r>
+            <a:endParaRPr lang="en-US" sz="3000" dirty="0">
+              <a:latin typeface="Calibri" panose="020F0502020204030204" pitchFamily="34" charset="0"/>
+              <a:cs typeface="Calibri" panose="020F0502020204030204" pitchFamily="34" charset="0"/>
+            </a:endParaRPr>
+          </a:p>
+        </p:txBody>
+      </p:sp>
+      <p:pic>
+        <p:nvPicPr>
+          <p:cNvPr id="3" name="Picture 2">
+            <a:extLst>
+              <a:ext uri="{FF2B5EF4-FFF2-40B4-BE49-F238E27FC236}">
+                <a16:creationId xmlns:a16="http://schemas.microsoft.com/office/drawing/2014/main" id="{1270AD82-EA3A-847E-29FE-8066D929B130}"/>
+              </a:ext>
+            </a:extLst>
+          </p:cNvPr>
+          <p:cNvPicPr>
+            <a:picLocks noChangeAspect="1"/>
+          </p:cNvPicPr>
+          <p:nvPr/>
+        </p:nvPicPr>
+        <p:blipFill>
+          <a:blip r:embed="rId3"/>
+          <a:stretch>
+            <a:fillRect/>
+          </a:stretch>
+        </p:blipFill>
+        <p:spPr>
+          <a:xfrm>
+            <a:off x="7716928" y="973981"/>
+            <a:ext cx="3022600" cy="4495800"/>
+          </a:xfrm>
+          <a:prstGeom prst="rect">
+            <a:avLst/>
+          </a:prstGeom>
+        </p:spPr>
+      </p:pic>
+    </p:spTree>
+    <p:extLst>
+      <p:ext uri="{BB962C8B-B14F-4D97-AF65-F5344CB8AC3E}">
+        <p14:creationId xmlns:p14="http://schemas.microsoft.com/office/powerpoint/2010/main" val="2790341753"/>
+      </p:ext>
+    </p:extLst>
+  </p:cSld>
+  <p:clrMapOvr>
+    <a:masterClrMapping/>
+  </p:clrMapOvr>
+</p:sld>
+</file>
+
+<file path=ppt/slides/slide8.xml><?xml version="1.0" encoding="utf-8"?>
+<p:sld xmlns:a="http://schemas.openxmlformats.org/drawingml/2006/main" xmlns:r="http://schemas.openxmlformats.org/officeDocument/2006/relationships" xmlns:p="http://schemas.openxmlformats.org/presentationml/2006/main">
+  <p:cSld>
+    <p:spTree>
+      <p:nvGrpSpPr>
+        <p:cNvPr id="1" name=""/>
+        <p:cNvGrpSpPr/>
+        <p:nvPr/>
+      </p:nvGrpSpPr>
+      <p:grpSpPr>
+        <a:xfrm>
+          <a:off x="0" y="0"/>
+          <a:ext cx="0" cy="0"/>
+          <a:chOff x="0" y="0"/>
+          <a:chExt cx="0" cy="0"/>
+        </a:xfrm>
+      </p:grpSpPr>
+      <p:sp>
+        <p:nvSpPr>
+          <p:cNvPr id="2" name="TextBox 1">
+            <a:extLst>
+              <a:ext uri="{FF2B5EF4-FFF2-40B4-BE49-F238E27FC236}">
+                <a16:creationId xmlns:a16="http://schemas.microsoft.com/office/drawing/2014/main" id="{F8137A36-CF66-40F3-A496-27D934C33450}"/>
+              </a:ext>
+            </a:extLst>
+          </p:cNvPr>
+          <p:cNvSpPr txBox="1"/>
+          <p:nvPr/>
+        </p:nvSpPr>
+        <p:spPr>
+          <a:xfrm>
+            <a:off x="2249214" y="581886"/>
+            <a:ext cx="7062952" cy="553998"/>
+          </a:xfrm>
+          <a:prstGeom prst="rect">
+            <a:avLst/>
+          </a:prstGeom>
+          <a:noFill/>
+        </p:spPr>
+        <p:txBody>
+          <a:bodyPr wrap="square">
+            <a:spAutoFit/>
+          </a:bodyPr>
+          <a:lstStyle/>
+          <a:p>
+            <a:r>
+              <a:rPr lang="en-IN" sz="3000" b="1" i="0" dirty="0">
+                <a:effectLst/>
+                <a:latin typeface="Calibri" panose="020F0502020204030204" pitchFamily="34" charset="0"/>
+                <a:cs typeface="Calibri" panose="020F0502020204030204" pitchFamily="34" charset="0"/>
+              </a:rPr>
+              <a:t>ANALYSIS – DTI (Debt to Income Ratio)</a:t>
+            </a:r>
+            <a:endParaRPr lang="en-US" sz="3000" dirty="0">
+              <a:latin typeface="Calibri" panose="020F0502020204030204" pitchFamily="34" charset="0"/>
+              <a:cs typeface="Calibri" panose="020F0502020204030204" pitchFamily="34" charset="0"/>
+            </a:endParaRPr>
+          </a:p>
+        </p:txBody>
+      </p:sp>
+      <p:pic>
+        <p:nvPicPr>
+          <p:cNvPr id="3" name="Picture 5">
+            <a:extLst>
+              <a:ext uri="{FF2B5EF4-FFF2-40B4-BE49-F238E27FC236}">
+                <a16:creationId xmlns:a16="http://schemas.microsoft.com/office/drawing/2014/main" id="{C550A80D-DB88-4834-9DD5-94F3A8DD090D}"/>
+              </a:ext>
+            </a:extLst>
+          </p:cNvPr>
+          <p:cNvPicPr>
+            <a:picLocks noChangeAspect="1"/>
+          </p:cNvPicPr>
+          <p:nvPr/>
+        </p:nvPicPr>
+        <p:blipFill rotWithShape="1">
+          <a:blip r:embed="rId2">
+            <a:extLst>
+              <a:ext uri="{28A0092B-C50C-407E-A947-70E740481C1C}">
+                <a14:useLocalDpi xmlns:a14="http://schemas.microsoft.com/office/drawing/2010/main" val="0"/>
+              </a:ext>
+            </a:extLst>
+          </a:blip>
+          <a:srcRect l="-596" r="-1" b="74476"/>
+          <a:stretch/>
+        </p:blipFill>
+        <p:spPr>
+          <a:xfrm>
+            <a:off x="885825" y="2548264"/>
+            <a:ext cx="5790288" cy="1761472"/>
+          </a:xfrm>
+          <a:prstGeom prst="rect">
+            <a:avLst/>
+          </a:prstGeom>
+        </p:spPr>
+      </p:pic>
+      <p:pic>
+        <p:nvPicPr>
+          <p:cNvPr id="6" name="Picture 6">
+            <a:extLst>
+              <a:ext uri="{FF2B5EF4-FFF2-40B4-BE49-F238E27FC236}">
+                <a16:creationId xmlns:a16="http://schemas.microsoft.com/office/drawing/2014/main" id="{ED0E8395-C79E-4B1F-910F-F4DCA632BB95}"/>
+              </a:ext>
+            </a:extLst>
+          </p:cNvPr>
+          <p:cNvPicPr>
+            <a:picLocks noChangeAspect="1"/>
+          </p:cNvPicPr>
+          <p:nvPr/>
+        </p:nvPicPr>
+        <p:blipFill rotWithShape="1">
+          <a:blip r:embed="rId2">
+            <a:extLst>
+              <a:ext uri="{28A0092B-C50C-407E-A947-70E740481C1C}">
+                <a14:useLocalDpi xmlns:a14="http://schemas.microsoft.com/office/drawing/2010/main" val="0"/>
+              </a:ext>
+            </a:extLst>
+          </a:blip>
+          <a:srcRect l="1940" t="39160" r="25031" b="956"/>
+          <a:stretch/>
+        </p:blipFill>
+        <p:spPr>
+          <a:xfrm>
+            <a:off x="6945295" y="1289809"/>
+            <a:ext cx="5068030" cy="3713115"/>
+          </a:xfrm>
+          <a:prstGeom prst="rect">
+            <a:avLst/>
+          </a:prstGeom>
+        </p:spPr>
+      </p:pic>
+      <p:sp>
+        <p:nvSpPr>
+          <p:cNvPr id="7" name="TextBox 6">
+            <a:extLst>
+              <a:ext uri="{FF2B5EF4-FFF2-40B4-BE49-F238E27FC236}">
+                <a16:creationId xmlns:a16="http://schemas.microsoft.com/office/drawing/2014/main" id="{83C02D32-63E7-43E0-5572-82AA75758F92}"/>
+              </a:ext>
+            </a:extLst>
+          </p:cNvPr>
+          <p:cNvSpPr txBox="1"/>
+          <p:nvPr/>
+        </p:nvSpPr>
+        <p:spPr>
+          <a:xfrm>
+            <a:off x="1103586" y="5433848"/>
+            <a:ext cx="8776138" cy="369332"/>
+          </a:xfrm>
+          <a:prstGeom prst="rect">
+            <a:avLst/>
+          </a:prstGeom>
+          <a:noFill/>
+        </p:spPr>
+        <p:txBody>
+          <a:bodyPr wrap="square" rtlCol="0">
+            <a:spAutoFit/>
+          </a:bodyPr>
+          <a:lstStyle/>
+          <a:p>
+            <a:r>
+              <a:rPr lang="en-US" dirty="0">
+                <a:latin typeface="Calibri" panose="020F0502020204030204" pitchFamily="34" charset="0"/>
+                <a:cs typeface="Calibri" panose="020F0502020204030204" pitchFamily="34" charset="0"/>
+              </a:rPr>
+              <a:t>Charge-off Percentage is increasing with the increase in DTI</a:t>
+            </a:r>
+          </a:p>
+        </p:txBody>
+      </p:sp>
+    </p:spTree>
+    <p:extLst>
+      <p:ext uri="{BB962C8B-B14F-4D97-AF65-F5344CB8AC3E}">
+        <p14:creationId xmlns:p14="http://schemas.microsoft.com/office/powerpoint/2010/main" val="2981107659"/>
+      </p:ext>
+    </p:extLst>
+  </p:cSld>
+  <p:clrMapOvr>
+    <a:masterClrMapping/>
+  </p:clrMapOvr>
+</p:sld>
+</file>
+
+<file path=ppt/slides/slide9.xml><?xml version="1.0" encoding="utf-8"?>
+<p:sld xmlns:a="http://schemas.openxmlformats.org/drawingml/2006/main" xmlns:r="http://schemas.openxmlformats.org/officeDocument/2006/relationships" xmlns:p="http://schemas.openxmlformats.org/presentationml/2006/main">
+  <p:cSld>
+    <p:spTree>
+      <p:nvGrpSpPr>
+        <p:cNvPr id="1" name=""/>
+        <p:cNvGrpSpPr/>
+        <p:nvPr/>
+      </p:nvGrpSpPr>
+      <p:grpSpPr>
+        <a:xfrm>
+          <a:off x="0" y="0"/>
+          <a:ext cx="0" cy="0"/>
+          <a:chOff x="0" y="0"/>
+          <a:chExt cx="0" cy="0"/>
+        </a:xfrm>
+      </p:grpSpPr>
+      <p:sp>
+        <p:nvSpPr>
+          <p:cNvPr id="2" name="TextBox 1">
+            <a:extLst>
+              <a:ext uri="{FF2B5EF4-FFF2-40B4-BE49-F238E27FC236}">
+                <a16:creationId xmlns:a16="http://schemas.microsoft.com/office/drawing/2014/main" id="{22666C27-218C-04EF-F5AA-4B1C50D5E405}"/>
+              </a:ext>
+            </a:extLst>
+          </p:cNvPr>
+          <p:cNvSpPr txBox="1"/>
+          <p:nvPr/>
+        </p:nvSpPr>
+        <p:spPr>
+          <a:xfrm>
+            <a:off x="3815255" y="308617"/>
+            <a:ext cx="7062952" cy="553998"/>
+          </a:xfrm>
+          <a:prstGeom prst="rect">
+            <a:avLst/>
+          </a:prstGeom>
+          <a:noFill/>
+        </p:spPr>
+        <p:txBody>
+          <a:bodyPr wrap="square">
+            <a:spAutoFit/>
+          </a:bodyPr>
+          <a:lstStyle/>
+          <a:p>
+            <a:r>
+              <a:rPr lang="en-IN" sz="3000" b="1" i="0" dirty="0">
+                <a:effectLst/>
+                <a:latin typeface="Calibri" panose="020F0502020204030204" pitchFamily="34" charset="0"/>
+                <a:cs typeface="Calibri" panose="020F0502020204030204" pitchFamily="34" charset="0"/>
+              </a:rPr>
+              <a:t>ANALYSIS – </a:t>
+            </a:r>
+            <a:r>
+              <a:rPr lang="en-IN" sz="3000" b="1" dirty="0">
+                <a:latin typeface="Calibri" panose="020F0502020204030204" pitchFamily="34" charset="0"/>
+                <a:cs typeface="Calibri" panose="020F0502020204030204" pitchFamily="34" charset="0"/>
+              </a:rPr>
+              <a:t>Loan Purpose</a:t>
+            </a:r>
+            <a:endParaRPr lang="en-US" sz="3000" dirty="0">
+              <a:latin typeface="Calibri" panose="020F0502020204030204" pitchFamily="34" charset="0"/>
+              <a:cs typeface="Calibri" panose="020F0502020204030204" pitchFamily="34" charset="0"/>
+            </a:endParaRPr>
+          </a:p>
+        </p:txBody>
+      </p:sp>
+      <p:pic>
+        <p:nvPicPr>
+          <p:cNvPr id="3" name="Picture 2">
+            <a:extLst>
+              <a:ext uri="{FF2B5EF4-FFF2-40B4-BE49-F238E27FC236}">
+                <a16:creationId xmlns:a16="http://schemas.microsoft.com/office/drawing/2014/main" id="{DEE07FB9-B090-D892-2DD0-F92F31F31B23}"/>
+              </a:ext>
+            </a:extLst>
+          </p:cNvPr>
+          <p:cNvPicPr>
+            <a:picLocks noChangeAspect="1"/>
+          </p:cNvPicPr>
+          <p:nvPr/>
+        </p:nvPicPr>
+        <p:blipFill>
+          <a:blip r:embed="rId2"/>
+          <a:stretch>
+            <a:fillRect/>
+          </a:stretch>
+        </p:blipFill>
+        <p:spPr>
+          <a:xfrm>
+            <a:off x="1590129" y="862615"/>
+            <a:ext cx="4658929" cy="4170961"/>
+          </a:xfrm>
+          <a:prstGeom prst="rect">
+            <a:avLst/>
+          </a:prstGeom>
+        </p:spPr>
+      </p:pic>
+      <p:sp>
+        <p:nvSpPr>
+          <p:cNvPr id="5" name="TextBox 4">
+            <a:extLst>
+              <a:ext uri="{FF2B5EF4-FFF2-40B4-BE49-F238E27FC236}">
+                <a16:creationId xmlns:a16="http://schemas.microsoft.com/office/drawing/2014/main" id="{40BBB92C-2567-FFB6-426B-31B0E0281F44}"/>
+              </a:ext>
+            </a:extLst>
+          </p:cNvPr>
+          <p:cNvSpPr txBox="1"/>
+          <p:nvPr/>
+        </p:nvSpPr>
+        <p:spPr>
+          <a:xfrm>
+            <a:off x="893378" y="5346485"/>
+            <a:ext cx="10804635" cy="1200329"/>
+          </a:xfrm>
+          <a:prstGeom prst="rect">
+            <a:avLst/>
+          </a:prstGeom>
+          <a:noFill/>
+        </p:spPr>
+        <p:txBody>
+          <a:bodyPr wrap="square" rtlCol="0">
+            <a:spAutoFit/>
+          </a:bodyPr>
+          <a:lstStyle/>
+          <a:p>
+            <a:r>
+              <a:rPr lang="en-US" sz="2400" dirty="0">
+                <a:latin typeface="Calibri" panose="020F0502020204030204" pitchFamily="34" charset="0"/>
+                <a:cs typeface="Calibri" panose="020F0502020204030204" pitchFamily="34" charset="0"/>
+              </a:rPr>
+              <a:t>Majority of the loans (40-50%) are for Debt Consolidation but Charged-Off loan percentage is not comparative high. Loans for Small business/ Renewable Energy have high charge-off rate.</a:t>
+            </a:r>
+          </a:p>
+        </p:txBody>
+      </p:sp>
+      <p:pic>
+        <p:nvPicPr>
+          <p:cNvPr id="6" name="Picture 5">
+            <a:extLst>
+              <a:ext uri="{FF2B5EF4-FFF2-40B4-BE49-F238E27FC236}">
+                <a16:creationId xmlns:a16="http://schemas.microsoft.com/office/drawing/2014/main" id="{493D86FC-68F4-3484-1D0A-4333900C1493}"/>
+              </a:ext>
+            </a:extLst>
+          </p:cNvPr>
+          <p:cNvPicPr>
+            <a:picLocks noChangeAspect="1"/>
+          </p:cNvPicPr>
+          <p:nvPr/>
+        </p:nvPicPr>
+        <p:blipFill>
+          <a:blip r:embed="rId3"/>
+          <a:stretch>
+            <a:fillRect/>
+          </a:stretch>
+        </p:blipFill>
+        <p:spPr>
+          <a:xfrm>
+            <a:off x="7840717" y="862615"/>
+            <a:ext cx="2867354" cy="4345371"/>
+          </a:xfrm>
+          <a:prstGeom prst="rect">
+            <a:avLst/>
+          </a:prstGeom>
+        </p:spPr>
+      </p:pic>
+    </p:spTree>
+    <p:extLst>
+      <p:ext uri="{BB962C8B-B14F-4D97-AF65-F5344CB8AC3E}">
+        <p14:creationId xmlns:p14="http://schemas.microsoft.com/office/powerpoint/2010/main" val="179540592"/>
       </p:ext>
     </p:extLst>
   </p:cSld>
